--- a/3-fuzz-concolic/lec42-fuzzing_with_afl++-v3.pptx
+++ b/3-fuzz-concolic/lec42-fuzzing_with_afl++-v3.pptx
@@ -5,7 +5,7 @@
     <p:sldMasterId id="2147483648" r:id="rId1"/>
   </p:sldMasterIdLst>
   <p:notesMasterIdLst>
-    <p:notesMasterId r:id="rId19"/>
+    <p:notesMasterId r:id="rId17"/>
   </p:notesMasterIdLst>
   <p:sldIdLst>
     <p:sldId id="256" r:id="rId2"/>
@@ -23,8 +23,6 @@
     <p:sldId id="267" r:id="rId14"/>
     <p:sldId id="270" r:id="rId15"/>
     <p:sldId id="274" r:id="rId16"/>
-    <p:sldId id="275" r:id="rId17"/>
-    <p:sldId id="276" r:id="rId18"/>
   </p:sldIdLst>
   <p:sldSz cx="12192000" cy="6858000"/>
   <p:notesSz cx="6858000" cy="9144000"/>
@@ -990,149 +988,6 @@
     <p:extLst>
       <p:ext uri="{BB962C8B-B14F-4D97-AF65-F5344CB8AC3E}">
         <p14:creationId xmlns:p14="http://schemas.microsoft.com/office/powerpoint/2010/main" val="149319929"/>
-      </p:ext>
-    </p:extLst>
-  </p:cSld>
-  <p:clrMapOvr>
-    <a:masterClrMapping/>
-  </p:clrMapOvr>
-</p:notes>
-</file>
-
-<file path=ppt/notesSlides/notesSlide6.xml><?xml version="1.0" encoding="utf-8"?>
-<p:notes xmlns:a="http://schemas.openxmlformats.org/drawingml/2006/main" xmlns:r="http://schemas.openxmlformats.org/officeDocument/2006/relationships" xmlns:p="http://schemas.openxmlformats.org/presentationml/2006/main">
-  <p:cSld>
-    <p:spTree>
-      <p:nvGrpSpPr>
-        <p:cNvPr id="1" name=""/>
-        <p:cNvGrpSpPr/>
-        <p:nvPr/>
-      </p:nvGrpSpPr>
-      <p:grpSpPr>
-        <a:xfrm>
-          <a:off x="0" y="0"/>
-          <a:ext cx="0" cy="0"/>
-          <a:chOff x="0" y="0"/>
-          <a:chExt cx="0" cy="0"/>
-        </a:xfrm>
-      </p:grpSpPr>
-      <p:sp>
-        <p:nvSpPr>
-          <p:cNvPr id="2" name="Slide Image Placeholder 1"/>
-          <p:cNvSpPr>
-            <a:spLocks noGrp="1" noRot="1" noChangeAspect="1"/>
-          </p:cNvSpPr>
-          <p:nvPr>
-            <p:ph type="sldImg"/>
-          </p:nvPr>
-        </p:nvSpPr>
-        <p:spPr/>
-      </p:sp>
-      <p:sp>
-        <p:nvSpPr>
-          <p:cNvPr id="3" name="Notes Placeholder 2"/>
-          <p:cNvSpPr>
-            <a:spLocks noGrp="1"/>
-          </p:cNvSpPr>
-          <p:nvPr>
-            <p:ph type="body" idx="1"/>
-          </p:nvPr>
-        </p:nvSpPr>
-        <p:spPr/>
-        <p:txBody>
-          <a:bodyPr/>
-          <a:lstStyle/>
-          <a:p>
-            <a:r>
-              <a:rPr lang="en-US" dirty="0" err="1"/>
-              <a:t>cur_location</a:t>
-            </a:r>
-            <a:r>
-              <a:rPr lang="en-US" dirty="0"/>
-              <a:t> =&lt;</a:t>
-            </a:r>
-            <a:r>
-              <a:rPr lang="en-US" dirty="0" err="1"/>
-              <a:t>COMPILE_TIME_RANDOM</a:t>
-            </a:r>
-            <a:r>
-              <a:rPr lang="en-US" dirty="0"/>
-              <a:t>&gt;</a:t>
-            </a:r>
-          </a:p>
-          <a:p>
-            <a:r>
-              <a:rPr lang="en-US" dirty="0" err="1"/>
-              <a:t>shared_mem</a:t>
-            </a:r>
-            <a:r>
-              <a:rPr lang="en-US" dirty="0"/>
-              <a:t>[</a:t>
-            </a:r>
-            <a:r>
-              <a:rPr lang="en-US" dirty="0" err="1"/>
-              <a:t>cur_location</a:t>
-            </a:r>
-            <a:r>
-              <a:rPr lang="en-US" dirty="0"/>
-              <a:t> ^ </a:t>
-            </a:r>
-            <a:r>
-              <a:rPr lang="en-US" dirty="0" err="1"/>
-              <a:t>prev_location</a:t>
-            </a:r>
-            <a:r>
-              <a:rPr lang="en-US" dirty="0"/>
-              <a:t>]++;</a:t>
-            </a:r>
-          </a:p>
-          <a:p>
-            <a:r>
-              <a:rPr lang="en-US" dirty="0" err="1"/>
-              <a:t>prev_location</a:t>
-            </a:r>
-            <a:r>
-              <a:rPr lang="en-US" dirty="0"/>
-              <a:t> = </a:t>
-            </a:r>
-            <a:r>
-              <a:rPr lang="en-US" dirty="0" err="1"/>
-              <a:t>cur_location</a:t>
-            </a:r>
-            <a:r>
-              <a:rPr lang="en-US" dirty="0"/>
-              <a:t> &gt;&gt; 1;</a:t>
-            </a:r>
-          </a:p>
-        </p:txBody>
-      </p:sp>
-      <p:sp>
-        <p:nvSpPr>
-          <p:cNvPr id="4" name="Slide Number Placeholder 3"/>
-          <p:cNvSpPr>
-            <a:spLocks noGrp="1"/>
-          </p:cNvSpPr>
-          <p:nvPr>
-            <p:ph type="sldNum" sz="quarter" idx="5"/>
-          </p:nvPr>
-        </p:nvSpPr>
-        <p:spPr/>
-        <p:txBody>
-          <a:bodyPr/>
-          <a:lstStyle/>
-          <a:p>
-            <a:fld id="{BB970643-4599-4FD7-B5DE-553D4EF05998}" type="slidenum">
-              <a:rPr lang="en-US" smtClean="0"/>
-              <a:t>17</a:t>
-            </a:fld>
-            <a:endParaRPr lang="en-US"/>
-          </a:p>
-        </p:txBody>
-      </p:sp>
-    </p:spTree>
-    <p:extLst>
-      <p:ext uri="{BB962C8B-B14F-4D97-AF65-F5344CB8AC3E}">
-        <p14:creationId xmlns:p14="http://schemas.microsoft.com/office/powerpoint/2010/main" val="1682155734"/>
       </p:ext>
     </p:extLst>
   </p:cSld>
@@ -9306,888 +9161,6 @@
     <p:extLst>
       <p:ext uri="{BB962C8B-B14F-4D97-AF65-F5344CB8AC3E}">
         <p14:creationId xmlns:p14="http://schemas.microsoft.com/office/powerpoint/2010/main" val="581664909"/>
-      </p:ext>
-    </p:extLst>
-  </p:cSld>
-  <p:clrMapOvr>
-    <a:masterClrMapping/>
-  </p:clrMapOvr>
-</p:sld>
-</file>
-
-<file path=ppt/slides/slide16.xml><?xml version="1.0" encoding="utf-8"?>
-<p:sld xmlns:a="http://schemas.openxmlformats.org/drawingml/2006/main" xmlns:r="http://schemas.openxmlformats.org/officeDocument/2006/relationships" xmlns:p="http://schemas.openxmlformats.org/presentationml/2006/main">
-  <p:cSld>
-    <p:spTree>
-      <p:nvGrpSpPr>
-        <p:cNvPr id="1" name=""/>
-        <p:cNvGrpSpPr/>
-        <p:nvPr/>
-      </p:nvGrpSpPr>
-      <p:grpSpPr>
-        <a:xfrm>
-          <a:off x="0" y="0"/>
-          <a:ext cx="0" cy="0"/>
-          <a:chOff x="0" y="0"/>
-          <a:chExt cx="0" cy="0"/>
-        </a:xfrm>
-      </p:grpSpPr>
-      <p:sp>
-        <p:nvSpPr>
-          <p:cNvPr id="2" name="Title 1">
-            <a:extLst>
-              <a:ext uri="{FF2B5EF4-FFF2-40B4-BE49-F238E27FC236}">
-                <a16:creationId xmlns:a16="http://schemas.microsoft.com/office/drawing/2014/main" id="{8D6141C4-92D8-4788-AFFB-FED741A8EFBA}"/>
-              </a:ext>
-            </a:extLst>
-          </p:cNvPr>
-          <p:cNvSpPr>
-            <a:spLocks noGrp="1"/>
-          </p:cNvSpPr>
-          <p:nvPr>
-            <p:ph type="title"/>
-          </p:nvPr>
-        </p:nvSpPr>
-        <p:spPr/>
-        <p:txBody>
-          <a:bodyPr/>
-          <a:lstStyle/>
-          <a:p>
-            <a:endParaRPr lang="en-US"/>
-          </a:p>
-        </p:txBody>
-      </p:sp>
-      <p:sp>
-        <p:nvSpPr>
-          <p:cNvPr id="3" name="Content Placeholder 2">
-            <a:extLst>
-              <a:ext uri="{FF2B5EF4-FFF2-40B4-BE49-F238E27FC236}">
-                <a16:creationId xmlns:a16="http://schemas.microsoft.com/office/drawing/2014/main" id="{984C68FA-E0A1-44DE-8FCA-B63A985BE22A}"/>
-              </a:ext>
-            </a:extLst>
-          </p:cNvPr>
-          <p:cNvSpPr>
-            <a:spLocks noGrp="1"/>
-          </p:cNvSpPr>
-          <p:nvPr>
-            <p:ph idx="1"/>
-          </p:nvPr>
-        </p:nvSpPr>
-        <p:spPr/>
-        <p:txBody>
-          <a:bodyPr/>
-          <a:lstStyle/>
-          <a:p>
-            <a:endParaRPr lang="en-US"/>
-          </a:p>
-        </p:txBody>
-      </p:sp>
-      <p:sp>
-        <p:nvSpPr>
-          <p:cNvPr id="4" name="슬라이드 번호 개체 틀 3">
-            <a:extLst>
-              <a:ext uri="{FF2B5EF4-FFF2-40B4-BE49-F238E27FC236}">
-                <a16:creationId xmlns:a16="http://schemas.microsoft.com/office/drawing/2014/main" id="{47CACC64-82DE-A74F-A927-9CC28208DB3B}"/>
-              </a:ext>
-            </a:extLst>
-          </p:cNvPr>
-          <p:cNvSpPr>
-            <a:spLocks noGrp="1"/>
-          </p:cNvSpPr>
-          <p:nvPr>
-            <p:ph type="sldNum" sz="quarter" idx="12"/>
-          </p:nvPr>
-        </p:nvSpPr>
-        <p:spPr/>
-        <p:txBody>
-          <a:bodyPr/>
-          <a:lstStyle/>
-          <a:p>
-            <a:fld id="{1CF9D074-DB03-7840-94B4-4B45D2605E24}" type="slidenum">
-              <a:rPr lang="en-KR" smtClean="0"/>
-              <a:t>16</a:t>
-            </a:fld>
-            <a:endParaRPr lang="en-KR"/>
-          </a:p>
-        </p:txBody>
-      </p:sp>
-    </p:spTree>
-    <p:extLst>
-      <p:ext uri="{BB962C8B-B14F-4D97-AF65-F5344CB8AC3E}">
-        <p14:creationId xmlns:p14="http://schemas.microsoft.com/office/powerpoint/2010/main" val="597061073"/>
-      </p:ext>
-    </p:extLst>
-  </p:cSld>
-  <p:clrMapOvr>
-    <a:masterClrMapping/>
-  </p:clrMapOvr>
-</p:sld>
-</file>
-
-<file path=ppt/slides/slide17.xml><?xml version="1.0" encoding="utf-8"?>
-<p:sld xmlns:a="http://schemas.openxmlformats.org/drawingml/2006/main" xmlns:r="http://schemas.openxmlformats.org/officeDocument/2006/relationships" xmlns:p="http://schemas.openxmlformats.org/presentationml/2006/main">
-  <p:cSld>
-    <p:spTree>
-      <p:nvGrpSpPr>
-        <p:cNvPr id="1" name=""/>
-        <p:cNvGrpSpPr/>
-        <p:nvPr/>
-      </p:nvGrpSpPr>
-      <p:grpSpPr>
-        <a:xfrm>
-          <a:off x="0" y="0"/>
-          <a:ext cx="0" cy="0"/>
-          <a:chOff x="0" y="0"/>
-          <a:chExt cx="0" cy="0"/>
-        </a:xfrm>
-      </p:grpSpPr>
-      <p:sp>
-        <p:nvSpPr>
-          <p:cNvPr id="2" name="Title 1">
-            <a:extLst>
-              <a:ext uri="{FF2B5EF4-FFF2-40B4-BE49-F238E27FC236}">
-                <a16:creationId xmlns:a16="http://schemas.microsoft.com/office/drawing/2014/main" id="{997EA7E9-24BD-B59E-75D4-A3D6C9B8C12A}"/>
-              </a:ext>
-            </a:extLst>
-          </p:cNvPr>
-          <p:cNvSpPr>
-            <a:spLocks noGrp="1"/>
-          </p:cNvSpPr>
-          <p:nvPr>
-            <p:ph type="title"/>
-          </p:nvPr>
-        </p:nvSpPr>
-        <p:spPr/>
-        <p:txBody>
-          <a:bodyPr/>
-          <a:lstStyle/>
-          <a:p>
-            <a:r>
-              <a:rPr lang="en-KR" dirty="0"/>
-              <a:t>Target Instrumentation</a:t>
-            </a:r>
-          </a:p>
-        </p:txBody>
-      </p:sp>
-      <mc:AlternateContent xmlns:mc="http://schemas.openxmlformats.org/markup-compatibility/2006" xmlns:a14="http://schemas.microsoft.com/office/drawing/2010/main">
-        <mc:Choice Requires="a14">
-          <p:sp>
-            <p:nvSpPr>
-              <p:cNvPr id="3" name="Content Placeholder 2">
-                <a:extLst>
-                  <a:ext uri="{FF2B5EF4-FFF2-40B4-BE49-F238E27FC236}">
-                    <a16:creationId xmlns:a16="http://schemas.microsoft.com/office/drawing/2014/main" id="{035EE03A-CCB5-7CC9-917E-7BCEC12CE2D2}"/>
-                  </a:ext>
-                </a:extLst>
-              </p:cNvPr>
-              <p:cNvSpPr>
-                <a:spLocks noGrp="1"/>
-              </p:cNvSpPr>
-              <p:nvPr>
-                <p:ph idx="1"/>
-              </p:nvPr>
-            </p:nvSpPr>
-            <p:spPr>
-              <a:xfrm>
-                <a:off x="838200" y="1825625"/>
-                <a:ext cx="7657979" cy="4667250"/>
-              </a:xfrm>
-            </p:spPr>
-            <p:txBody>
-              <a:bodyPr>
-                <a:normAutofit fontScale="92500" lnSpcReduction="10000"/>
-              </a:bodyPr>
-              <a:lstStyle/>
-              <a:p>
-                <a:r>
-                  <a:rPr lang="en-KR" sz="2400" dirty="0"/>
-                  <a:t>Captures </a:t>
-                </a:r>
-                <a:r>
-                  <a:rPr lang="en-US" sz="2400" dirty="0"/>
-                  <a:t>(approximate) </a:t>
-                </a:r>
-                <a:r>
-                  <a:rPr lang="en-KR" sz="2400" dirty="0"/>
-                  <a:t>branch coverage along with branch hit-counts.</a:t>
-                </a:r>
-              </a:p>
-              <a:p>
-                <a:pPr lvl="1">
-                  <a:buClr>
-                    <a:schemeClr val="tx1"/>
-                  </a:buClr>
-                </a:pPr>
-                <a:r>
-                  <a:rPr lang="en-KR" sz="1800" dirty="0">
-                    <a:solidFill>
-                      <a:schemeClr val="accent1"/>
-                    </a:solidFill>
-                  </a:rPr>
-                  <a:t>Tuple</a:t>
-                </a:r>
-                <a:r>
-                  <a:rPr lang="en-KR" sz="1800" dirty="0"/>
-                  <a:t> </a:t>
-                </a:r>
-                <a14:m>
-                  <m:oMath xmlns:m="http://schemas.openxmlformats.org/officeDocument/2006/math">
-                    <m:r>
-                      <a:rPr lang="en-US" sz="1800" b="0" i="1" smtClean="0">
-                        <a:latin typeface="Cambria Math" panose="02040503050406030204" pitchFamily="18" charset="0"/>
-                      </a:rPr>
-                      <m:t>≔</m:t>
-                    </m:r>
-                  </m:oMath>
-                </a14:m>
-                <a:r>
-                  <a:rPr lang="en-KR" sz="1800" dirty="0"/>
-                  <a:t> (</a:t>
-                </a:r>
-                <a:r>
-                  <a:rPr lang="en-US" sz="1800" dirty="0"/>
-                  <a:t>from</a:t>
-                </a:r>
-                <a:r>
-                  <a:rPr lang="en-KR" sz="1800" dirty="0"/>
-                  <a:t> </a:t>
-                </a:r>
-                <a:r>
-                  <a:rPr lang="en-US" sz="1800" dirty="0"/>
-                  <a:t>basic block</a:t>
-                </a:r>
-                <a:r>
-                  <a:rPr lang="en-KR" sz="1800" dirty="0"/>
-                  <a:t>, </a:t>
-                </a:r>
-                <a:r>
-                  <a:rPr lang="en-US" sz="1800" dirty="0"/>
-                  <a:t>to basic block</a:t>
-                </a:r>
-                <a:r>
-                  <a:rPr lang="en-KR" sz="1800" dirty="0"/>
-                  <a:t>), equivalent to </a:t>
-                </a:r>
-                <a:r>
-                  <a:rPr lang="en-US" sz="1800" dirty="0"/>
-                  <a:t>a </a:t>
-                </a:r>
-                <a:r>
-                  <a:rPr lang="en-KR" sz="1800" dirty="0"/>
-                  <a:t>branch.</a:t>
-                </a:r>
-              </a:p>
-              <a:p>
-                <a:pPr lvl="1">
-                  <a:buClr>
-                    <a:schemeClr val="tx1"/>
-                  </a:buClr>
-                </a:pPr>
-                <a:r>
-                  <a:rPr lang="en-KR" sz="1800" dirty="0"/>
-                  <a:t>Tuples in A -&gt; B -&gt; C -&gt; D -&gt; E : {(A, B), (B, C), (C, D), (D, E)}</a:t>
-                </a:r>
-              </a:p>
-              <a:p>
-                <a:r>
-                  <a:rPr lang="en-KR" sz="2400" dirty="0"/>
-                  <a:t>At each branch point, AFL++ compiler injects:</a:t>
-                </a:r>
-                <a:endParaRPr lang="en-KR" sz="3600" dirty="0"/>
-              </a:p>
-              <a:p>
-                <a:pPr lvl="1"/>
-                <a:r>
-                  <a:rPr lang="en-KR" sz="1800" dirty="0">
-                    <a:latin typeface="Consolas" panose="020B0609020204030204" pitchFamily="49" charset="0"/>
-                    <a:cs typeface="Consolas" panose="020B0609020204030204" pitchFamily="49" charset="0"/>
-                  </a:rPr>
-                  <a:t>shared_mem[</a:t>
-                </a:r>
-                <a:r>
-                  <a:rPr lang="en-US" sz="1800" dirty="0">
-                    <a:latin typeface="Consolas" panose="020B0609020204030204" pitchFamily="49" charset="0"/>
-                    <a:cs typeface="Consolas" panose="020B0609020204030204" pitchFamily="49" charset="0"/>
-                  </a:rPr>
-                  <a:t>branch id</a:t>
-                </a:r>
-                <a:r>
-                  <a:rPr lang="en-KR" sz="1800" dirty="0">
-                    <a:latin typeface="Consolas" panose="020B0609020204030204" pitchFamily="49" charset="0"/>
-                    <a:cs typeface="Consolas" panose="020B0609020204030204" pitchFamily="49" charset="0"/>
-                  </a:rPr>
-                  <a:t>] </a:t>
-                </a:r>
-                <a:r>
-                  <a:rPr lang="en-KR" sz="1800" dirty="0"/>
-                  <a:t>– Branch hit count map</a:t>
-                </a:r>
-              </a:p>
-              <a:p>
-                <a:pPr lvl="2"/>
-                <a:r>
-                  <a:rPr lang="en-KR" sz="1200" dirty="0"/>
-                  <a:t>64KB shared memory region, fits in </a:t>
-                </a:r>
-                <a:r>
-                  <a:rPr lang="en-KR" sz="1200" b="1" dirty="0"/>
-                  <a:t>L2 cache</a:t>
-                </a:r>
-                <a:r>
-                  <a:rPr lang="en-US" sz="1200" b="1" dirty="0"/>
-                  <a:t> (more</a:t>
-                </a:r>
-                <a:r>
-                  <a:rPr lang="en-US" sz="1200" b="1" dirty="0">
-                    <a:highlight>
-                      <a:srgbClr val="FFFF00"/>
-                    </a:highlight>
-                  </a:rPr>
-                  <a:t> entries in AFL++</a:t>
-                </a:r>
-                <a:r>
-                  <a:rPr lang="en-US" sz="1200" b="1" dirty="0"/>
-                  <a:t>)</a:t>
-                </a:r>
-                <a:endParaRPr lang="en-KR" sz="1200" dirty="0"/>
-              </a:p>
-              <a:p>
-                <a:pPr lvl="2"/>
-                <a:r>
-                  <a:rPr lang="en-KR" sz="1200" dirty="0"/>
-                  <a:t>Every byte indicates hit </a:t>
-                </a:r>
-                <a:r>
-                  <a:rPr lang="en-US" sz="1200" dirty="0"/>
-                  <a:t>counts </a:t>
-                </a:r>
-                <a:r>
-                  <a:rPr lang="en-KR" sz="1200" dirty="0"/>
-                  <a:t>for (branch_src, branch_dst)</a:t>
-                </a:r>
-              </a:p>
-              <a:p>
-                <a:pPr lvl="1"/>
-                <a:r>
-                  <a:rPr lang="en-KR" sz="1600" dirty="0"/>
-                  <a:t>(Assumption) </a:t>
-                </a:r>
-                <a:r>
-                  <a:rPr lang="en-KR" sz="1600" dirty="0">
-                    <a:latin typeface="Consolas" panose="020B0609020204030204" pitchFamily="49" charset="0"/>
-                    <a:cs typeface="Consolas" panose="020B0609020204030204" pitchFamily="49" charset="0"/>
-                  </a:rPr>
-                  <a:t>cur_location ^ prev_location</a:t>
-                </a:r>
-                <a:r>
-                  <a:rPr lang="en-KR" sz="1600" dirty="0">
-                    <a:cs typeface="Consolas" panose="020B0609020204030204" pitchFamily="49" charset="0"/>
-                  </a:rPr>
-                  <a:t> </a:t>
-                </a:r>
-                <a:r>
-                  <a:rPr lang="en-KR" sz="1600" dirty="0"/>
-                  <a:t>is unique for each tuple.</a:t>
-                </a:r>
-              </a:p>
-              <a:p>
-                <a:pPr lvl="2"/>
-                <a:r>
-                  <a:rPr lang="en-KR" sz="1200" dirty="0"/>
-                  <a:t>However, this assumption does not hold in general. (Figure </a:t>
-                </a:r>
-                <a:r>
-                  <a:rPr lang="en-US" sz="1200" dirty="0"/>
-                  <a:t>3</a:t>
-                </a:r>
-                <a:r>
-                  <a:rPr lang="en-KR" sz="1200" dirty="0"/>
-                  <a:t>)</a:t>
-                </a:r>
-              </a:p>
-              <a:p>
-                <a:pPr lvl="2"/>
-                <a:r>
-                  <a:rPr lang="en-KR" sz="1200" dirty="0"/>
-                  <a:t>Therefore,</a:t>
-                </a:r>
-                <a:r>
-                  <a:rPr lang="en-KR" sz="1200" b="1" dirty="0"/>
-                  <a:t> </a:t>
-                </a:r>
-                <a:r>
-                  <a:rPr lang="en-KR" sz="1600" b="1" dirty="0">
-                    <a:solidFill>
-                      <a:schemeClr val="accent1"/>
-                    </a:solidFill>
-                  </a:rPr>
-                  <a:t>branch coverage in AFL++ </a:t>
-                </a:r>
-                <a14:m>
-                  <m:oMath xmlns:m="http://schemas.openxmlformats.org/officeDocument/2006/math">
-                    <m:r>
-                      <a:rPr lang="en-US" sz="1600" b="1" i="1" smtClean="0">
-                        <a:solidFill>
-                          <a:schemeClr val="accent1"/>
-                        </a:solidFill>
-                        <a:latin typeface="Cambria Math" panose="02040503050406030204" pitchFamily="18" charset="0"/>
-                      </a:rPr>
-                      <m:t>≠</m:t>
-                    </m:r>
-                  </m:oMath>
-                </a14:m>
-                <a:r>
-                  <a:rPr lang="en-KR" sz="1600" b="1" dirty="0">
-                    <a:solidFill>
-                      <a:schemeClr val="accent1"/>
-                    </a:solidFill>
-                  </a:rPr>
-                  <a:t> Actual branch coverage using gcov</a:t>
-                </a:r>
-              </a:p>
-              <a:p>
-                <a:pPr lvl="1"/>
-                <a:r>
-                  <a:rPr lang="en-KR" sz="1600" dirty="0">
-                    <a:highlight>
-                      <a:srgbClr val="FFFF00"/>
-                    </a:highlight>
-                  </a:rPr>
-                  <a:t>Why prev_location is shifted by 1?</a:t>
-                </a:r>
-              </a:p>
-              <a:p>
-                <a:pPr lvl="2"/>
-                <a:r>
-                  <a:rPr lang="en-KR" sz="1200" dirty="0">
-                    <a:highlight>
-                      <a:srgbClr val="FFFF00"/>
-                    </a:highlight>
-                  </a:rPr>
-                  <a:t>Preserve directionability of tuples ( without this, (A, B) is indistinguishable from (B, A) )</a:t>
-                </a:r>
-              </a:p>
-              <a:p>
-                <a:pPr lvl="2"/>
-                <a:r>
-                  <a:rPr lang="en-KR" sz="1200" dirty="0">
-                    <a:highlight>
-                      <a:srgbClr val="FFFF00"/>
-                    </a:highlight>
-                  </a:rPr>
-                  <a:t>Collision avoidence for tight loops ( without this, (A, A) is indistinguishable form (B, B) )</a:t>
-                </a:r>
-              </a:p>
-              <a:p>
-                <a:r>
-                  <a:rPr lang="en-KR" sz="1850" dirty="0"/>
-                  <a:t>(new) </a:t>
-                </a:r>
-                <a:r>
-                  <a:rPr lang="en-KR" sz="1850" dirty="0">
-                    <a:solidFill>
-                      <a:schemeClr val="accent1"/>
-                    </a:solidFill>
-                  </a:rPr>
-                  <a:t>Path</a:t>
-                </a:r>
-                <a:r>
-                  <a:rPr lang="en-KR" sz="1850" dirty="0"/>
-                  <a:t> </a:t>
-                </a:r>
-                <a14:m>
-                  <m:oMath xmlns:m="http://schemas.openxmlformats.org/officeDocument/2006/math">
-                    <m:r>
-                      <a:rPr lang="en-US" sz="1850" b="0" i="1" smtClean="0">
-                        <a:latin typeface="Cambria Math" panose="02040503050406030204" pitchFamily="18" charset="0"/>
-                      </a:rPr>
-                      <m:t>≔</m:t>
-                    </m:r>
-                  </m:oMath>
-                </a14:m>
-                <a:r>
-                  <a:rPr lang="en-KR" sz="1850" dirty="0"/>
-                  <a:t> It covers a new tuple, or a branch’s hit count is in a new range of hit counts</a:t>
-                </a:r>
-              </a:p>
-              <a:p>
-                <a:pPr lvl="1"/>
-                <a:r>
-                  <a:rPr lang="en-KR" sz="1450" dirty="0"/>
-                  <a:t>Recall that AFL uses eight buckets [1,  2,  3,  4-7, 8-15, 16-31, 32-127, 128+].</a:t>
-                </a:r>
-              </a:p>
-            </p:txBody>
-          </p:sp>
-        </mc:Choice>
-        <mc:Fallback xmlns="">
-          <p:sp>
-            <p:nvSpPr>
-              <p:cNvPr id="3" name="Content Placeholder 2">
-                <a:extLst>
-                  <a:ext uri="{FF2B5EF4-FFF2-40B4-BE49-F238E27FC236}">
-                    <a16:creationId xmlns:a16="http://schemas.microsoft.com/office/drawing/2014/main" id="{035EE03A-CCB5-7CC9-917E-7BCEC12CE2D2}"/>
-                  </a:ext>
-                </a:extLst>
-              </p:cNvPr>
-              <p:cNvSpPr>
-                <a:spLocks noGrp="1" noRot="1" noChangeAspect="1" noMove="1" noResize="1" noEditPoints="1" noAdjustHandles="1" noChangeArrowheads="1" noChangeShapeType="1" noTextEdit="1"/>
-              </p:cNvSpPr>
-              <p:nvPr>
-                <p:ph idx="1"/>
-              </p:nvPr>
-            </p:nvSpPr>
-            <p:spPr>
-              <a:xfrm>
-                <a:off x="838200" y="1825625"/>
-                <a:ext cx="7657979" cy="4667250"/>
-              </a:xfrm>
-              <a:blipFill>
-                <a:blip r:embed="rId3"/>
-                <a:stretch>
-                  <a:fillRect l="-955" t="-2089"/>
-                </a:stretch>
-              </a:blipFill>
-            </p:spPr>
-            <p:txBody>
-              <a:bodyPr/>
-              <a:lstStyle/>
-              <a:p>
-                <a:r>
-                  <a:rPr lang="en-US">
-                    <a:noFill/>
-                  </a:rPr>
-                  <a:t> </a:t>
-                </a:r>
-              </a:p>
-            </p:txBody>
-          </p:sp>
-        </mc:Fallback>
-      </mc:AlternateContent>
-      <p:pic>
-        <p:nvPicPr>
-          <p:cNvPr id="23" name="Picture 22">
-            <a:extLst>
-              <a:ext uri="{FF2B5EF4-FFF2-40B4-BE49-F238E27FC236}">
-                <a16:creationId xmlns:a16="http://schemas.microsoft.com/office/drawing/2014/main" id="{C5EFFA88-8D20-6B44-49E4-D17257A6A7B4}"/>
-              </a:ext>
-            </a:extLst>
-          </p:cNvPr>
-          <p:cNvPicPr>
-            <a:picLocks noChangeAspect="1"/>
-          </p:cNvPicPr>
-          <p:nvPr/>
-        </p:nvPicPr>
-        <p:blipFill>
-          <a:blip r:embed="rId4"/>
-          <a:stretch>
-            <a:fillRect/>
-          </a:stretch>
-        </p:blipFill>
-        <p:spPr>
-          <a:xfrm>
-            <a:off x="8764969" y="1760576"/>
-            <a:ext cx="4086405" cy="681067"/>
-          </a:xfrm>
-          <a:prstGeom prst="rect">
-            <a:avLst/>
-          </a:prstGeom>
-        </p:spPr>
-      </p:pic>
-      <p:pic>
-        <p:nvPicPr>
-          <p:cNvPr id="24" name="Picture 23">
-            <a:extLst>
-              <a:ext uri="{FF2B5EF4-FFF2-40B4-BE49-F238E27FC236}">
-                <a16:creationId xmlns:a16="http://schemas.microsoft.com/office/drawing/2014/main" id="{231543AB-05FD-3238-5794-D506619059E4}"/>
-              </a:ext>
-            </a:extLst>
-          </p:cNvPr>
-          <p:cNvPicPr>
-            <a:picLocks noChangeAspect="1"/>
-          </p:cNvPicPr>
-          <p:nvPr/>
-        </p:nvPicPr>
-        <p:blipFill>
-          <a:blip r:embed="rId5"/>
-          <a:stretch>
-            <a:fillRect/>
-          </a:stretch>
-        </p:blipFill>
-        <p:spPr>
-          <a:xfrm>
-            <a:off x="8496179" y="4358390"/>
-            <a:ext cx="3387287" cy="1477163"/>
-          </a:xfrm>
-          <a:prstGeom prst="rect">
-            <a:avLst/>
-          </a:prstGeom>
-        </p:spPr>
-      </p:pic>
-      <p:sp>
-        <p:nvSpPr>
-          <p:cNvPr id="26" name="TextBox 25">
-            <a:extLst>
-              <a:ext uri="{FF2B5EF4-FFF2-40B4-BE49-F238E27FC236}">
-                <a16:creationId xmlns:a16="http://schemas.microsoft.com/office/drawing/2014/main" id="{DAE46747-99D0-B94C-43D3-27A7C31CE418}"/>
-              </a:ext>
-            </a:extLst>
-          </p:cNvPr>
-          <p:cNvSpPr txBox="1"/>
-          <p:nvPr/>
-        </p:nvSpPr>
-        <p:spPr>
-          <a:xfrm>
-            <a:off x="8994666" y="5835553"/>
-            <a:ext cx="2393604" cy="261610"/>
-          </a:xfrm>
-          <a:prstGeom prst="rect">
-            <a:avLst/>
-          </a:prstGeom>
-          <a:noFill/>
-        </p:spPr>
-        <p:txBody>
-          <a:bodyPr wrap="none" rtlCol="0">
-            <a:spAutoFit/>
-          </a:bodyPr>
-          <a:lstStyle/>
-          <a:p>
-            <a:r>
-              <a:rPr lang="en-US" sz="1100" dirty="0"/>
-              <a:t>Figure 3. Hit count map collision in AFL</a:t>
-            </a:r>
-            <a:endParaRPr lang="en-KR" sz="1100" dirty="0"/>
-          </a:p>
-        </p:txBody>
-      </p:sp>
-      <p:pic>
-        <p:nvPicPr>
-          <p:cNvPr id="28" name="Graphic 27">
-            <a:extLst>
-              <a:ext uri="{FF2B5EF4-FFF2-40B4-BE49-F238E27FC236}">
-                <a16:creationId xmlns:a16="http://schemas.microsoft.com/office/drawing/2014/main" id="{D7DAD0A4-5559-E636-F6AA-5C2CD9A0EAE9}"/>
-              </a:ext>
-            </a:extLst>
-          </p:cNvPr>
-          <p:cNvPicPr>
-            <a:picLocks noChangeAspect="1"/>
-          </p:cNvPicPr>
-          <p:nvPr/>
-        </p:nvPicPr>
-        <p:blipFill>
-          <a:blip r:embed="rId6" cstate="print">
-            <a:extLst>
-              <a:ext uri="{28A0092B-C50C-407E-A947-70E740481C1C}">
-                <a14:useLocalDpi xmlns:a14="http://schemas.microsoft.com/office/drawing/2010/main" val="0"/>
-              </a:ext>
-              <a:ext uri="{96DAC541-7B7A-43D3-8B79-37D633B846F1}">
-                <asvg:svgBlip xmlns:asvg="http://schemas.microsoft.com/office/drawing/2016/SVG/main" r:embed="rId7"/>
-              </a:ext>
-              <a:ext uri="{837473B0-CC2E-450A-ABE3-18F120FF3D39}">
-                <a1611:picAttrSrcUrl xmlns:a1611="http://schemas.microsoft.com/office/drawing/2016/11/main" r:id="rId8"/>
-              </a:ext>
-            </a:extLst>
-          </a:blip>
-          <a:stretch>
-            <a:fillRect/>
-          </a:stretch>
-        </p:blipFill>
-        <p:spPr>
-          <a:xfrm>
-            <a:off x="10658691" y="365125"/>
-            <a:ext cx="1086643" cy="1087673"/>
-          </a:xfrm>
-          <a:prstGeom prst="rect">
-            <a:avLst/>
-          </a:prstGeom>
-        </p:spPr>
-      </p:pic>
-      <p:sp>
-        <p:nvSpPr>
-          <p:cNvPr id="4" name="TextBox 3">
-            <a:extLst>
-              <a:ext uri="{FF2B5EF4-FFF2-40B4-BE49-F238E27FC236}">
-                <a16:creationId xmlns:a16="http://schemas.microsoft.com/office/drawing/2014/main" id="{104B5629-3824-402F-98DD-2CA614E69AC8}"/>
-              </a:ext>
-            </a:extLst>
-          </p:cNvPr>
-          <p:cNvSpPr txBox="1"/>
-          <p:nvPr/>
-        </p:nvSpPr>
-        <p:spPr>
-          <a:xfrm>
-            <a:off x="8454093" y="2929961"/>
-            <a:ext cx="5125955" cy="646331"/>
-          </a:xfrm>
-          <a:prstGeom prst="rect">
-            <a:avLst/>
-          </a:prstGeom>
-          <a:noFill/>
-        </p:spPr>
-        <p:txBody>
-          <a:bodyPr wrap="none" rtlCol="0">
-            <a:spAutoFit/>
-          </a:bodyPr>
-          <a:lstStyle/>
-          <a:p>
-            <a:r>
-              <a:rPr lang="en-US" dirty="0" err="1"/>
-              <a:t>cur_location</a:t>
-            </a:r>
-            <a:r>
-              <a:rPr lang="en-US" dirty="0"/>
-              <a:t> = random();</a:t>
-            </a:r>
-          </a:p>
-          <a:p>
-            <a:r>
-              <a:rPr lang="en-US" dirty="0" err="1"/>
-              <a:t>shared_mem</a:t>
-            </a:r>
-            <a:r>
-              <a:rPr lang="en-US" dirty="0"/>
-              <a:t>[</a:t>
-            </a:r>
-            <a:r>
-              <a:rPr lang="en-US" dirty="0" err="1"/>
-              <a:t>cur_location</a:t>
-            </a:r>
-            <a:r>
-              <a:rPr lang="en-US" dirty="0"/>
-              <a:t> ^ (</a:t>
-            </a:r>
-            <a:r>
-              <a:rPr lang="en-US" dirty="0" err="1"/>
-              <a:t>prev_location</a:t>
-            </a:r>
-            <a:r>
-              <a:rPr lang="en-US" dirty="0"/>
-              <a:t> &gt;&gt; 1)]++;</a:t>
-            </a:r>
-          </a:p>
-        </p:txBody>
-      </p:sp>
-      <p:sp>
-        <p:nvSpPr>
-          <p:cNvPr id="5" name="TextBox 4">
-            <a:extLst>
-              <a:ext uri="{FF2B5EF4-FFF2-40B4-BE49-F238E27FC236}">
-                <a16:creationId xmlns:a16="http://schemas.microsoft.com/office/drawing/2014/main" id="{27B460DF-3C4C-4CB2-B611-28C744E02A01}"/>
-              </a:ext>
-            </a:extLst>
-          </p:cNvPr>
-          <p:cNvSpPr txBox="1"/>
-          <p:nvPr/>
-        </p:nvSpPr>
-        <p:spPr>
-          <a:xfrm>
-            <a:off x="8266456" y="-42752"/>
-            <a:ext cx="2188741" cy="2031325"/>
-          </a:xfrm>
-          <a:prstGeom prst="rect">
-            <a:avLst/>
-          </a:prstGeom>
-          <a:noFill/>
-        </p:spPr>
-        <p:txBody>
-          <a:bodyPr wrap="none" rtlCol="0">
-            <a:spAutoFit/>
-          </a:bodyPr>
-          <a:lstStyle/>
-          <a:p>
-            <a:r>
-              <a:rPr lang="en-US" dirty="0" err="1"/>
-              <a:t>prev</a:t>
-            </a:r>
-            <a:r>
-              <a:rPr lang="en-US" dirty="0"/>
-              <a:t> = None</a:t>
-            </a:r>
-          </a:p>
-          <a:p>
-            <a:r>
-              <a:rPr lang="en-US" dirty="0"/>
-              <a:t>while(...) {</a:t>
-            </a:r>
-          </a:p>
-          <a:p>
-            <a:r>
-              <a:rPr lang="en-US" dirty="0"/>
-              <a:t>   (current, </a:t>
-            </a:r>
-            <a:r>
-              <a:rPr lang="en-US" dirty="0" err="1"/>
-              <a:t>prev</a:t>
-            </a:r>
-            <a:r>
-              <a:rPr lang="en-US" dirty="0"/>
-              <a:t> logic)</a:t>
-            </a:r>
-          </a:p>
-          <a:p>
-            <a:r>
-              <a:rPr lang="en-US" dirty="0"/>
-              <a:t>   </a:t>
-            </a:r>
-            <a:r>
-              <a:rPr lang="en-US" dirty="0" err="1"/>
-              <a:t>prev</a:t>
-            </a:r>
-            <a:r>
-              <a:rPr lang="en-US" dirty="0"/>
-              <a:t> = current</a:t>
-            </a:r>
-          </a:p>
-          <a:p>
-            <a:r>
-              <a:rPr lang="en-US" dirty="0"/>
-              <a:t>}</a:t>
-            </a:r>
-          </a:p>
-          <a:p>
-            <a:r>
-              <a:rPr lang="en-US" dirty="0"/>
-              <a:t>[ 1, 2, 3, 4, 5, 6 ]</a:t>
-            </a:r>
-          </a:p>
-          <a:p>
-            <a:endParaRPr lang="en-US" dirty="0"/>
-          </a:p>
-        </p:txBody>
-      </p:sp>
-      <p:sp>
-        <p:nvSpPr>
-          <p:cNvPr id="6" name="슬라이드 번호 개체 틀 5">
-            <a:extLst>
-              <a:ext uri="{FF2B5EF4-FFF2-40B4-BE49-F238E27FC236}">
-                <a16:creationId xmlns:a16="http://schemas.microsoft.com/office/drawing/2014/main" id="{81DABE16-5320-0647-BB75-709EEE7BDAE1}"/>
-              </a:ext>
-            </a:extLst>
-          </p:cNvPr>
-          <p:cNvSpPr>
-            <a:spLocks noGrp="1"/>
-          </p:cNvSpPr>
-          <p:nvPr>
-            <p:ph type="sldNum" sz="quarter" idx="12"/>
-          </p:nvPr>
-        </p:nvSpPr>
-        <p:spPr/>
-        <p:txBody>
-          <a:bodyPr/>
-          <a:lstStyle/>
-          <a:p>
-            <a:fld id="{1CF9D074-DB03-7840-94B4-4B45D2605E24}" type="slidenum">
-              <a:rPr lang="en-KR" smtClean="0"/>
-              <a:t>17</a:t>
-            </a:fld>
-            <a:endParaRPr lang="en-KR"/>
-          </a:p>
-        </p:txBody>
-      </p:sp>
-    </p:spTree>
-    <p:extLst>
-      <p:ext uri="{BB962C8B-B14F-4D97-AF65-F5344CB8AC3E}">
-        <p14:creationId xmlns:p14="http://schemas.microsoft.com/office/powerpoint/2010/main" val="753675442"/>
       </p:ext>
     </p:extLst>
   </p:cSld>

--- a/3-fuzz-concolic/lec42-fuzzing_with_afl++-v3.pptx
+++ b/3-fuzz-concolic/lec42-fuzzing_with_afl++-v3.pptx
@@ -5,7 +5,7 @@
     <p:sldMasterId id="2147483648" r:id="rId1"/>
   </p:sldMasterIdLst>
   <p:notesMasterIdLst>
-    <p:notesMasterId r:id="rId17"/>
+    <p:notesMasterId r:id="rId18"/>
   </p:notesMasterIdLst>
   <p:sldIdLst>
     <p:sldId id="256" r:id="rId2"/>
@@ -15,14 +15,15 @@
     <p:sldId id="259" r:id="rId6"/>
     <p:sldId id="265" r:id="rId7"/>
     <p:sldId id="277" r:id="rId8"/>
-    <p:sldId id="260" r:id="rId9"/>
-    <p:sldId id="261" r:id="rId10"/>
-    <p:sldId id="262" r:id="rId11"/>
-    <p:sldId id="263" r:id="rId12"/>
-    <p:sldId id="266" r:id="rId13"/>
-    <p:sldId id="267" r:id="rId14"/>
-    <p:sldId id="270" r:id="rId15"/>
-    <p:sldId id="274" r:id="rId16"/>
+    <p:sldId id="278" r:id="rId9"/>
+    <p:sldId id="260" r:id="rId10"/>
+    <p:sldId id="261" r:id="rId11"/>
+    <p:sldId id="262" r:id="rId12"/>
+    <p:sldId id="263" r:id="rId13"/>
+    <p:sldId id="266" r:id="rId14"/>
+    <p:sldId id="267" r:id="rId15"/>
+    <p:sldId id="270" r:id="rId16"/>
+    <p:sldId id="274" r:id="rId17"/>
   </p:sldIdLst>
   <p:sldSz cx="12192000" cy="6858000"/>
   <p:notesSz cx="6858000" cy="9144000"/>
@@ -223,7 +224,7 @@
           <a:p>
             <a:fld id="{E85505C2-B318-4DD8-AAC1-0EA70199C0E9}" type="datetimeFigureOut">
               <a:rPr lang="en-US" smtClean="0"/>
-              <a:t>5/11/2023</a:t>
+              <a:t>5/16/2023</a:t>
             </a:fld>
             <a:endParaRPr lang="en-US"/>
           </a:p>
@@ -782,7 +783,7 @@
           <a:p>
             <a:fld id="{BB970643-4599-4FD7-B5DE-553D4EF05998}" type="slidenum">
               <a:rPr lang="en-US" smtClean="0"/>
-              <a:t>8</a:t>
+              <a:t>9</a:t>
             </a:fld>
             <a:endParaRPr lang="en-US"/>
           </a:p>
@@ -866,7 +867,7 @@
           <a:p>
             <a:fld id="{BB970643-4599-4FD7-B5DE-553D4EF05998}" type="slidenum">
               <a:rPr lang="en-US" smtClean="0"/>
-              <a:t>10</a:t>
+              <a:t>11</a:t>
             </a:fld>
             <a:endParaRPr lang="en-US"/>
           </a:p>
@@ -978,7 +979,7 @@
           <a:p>
             <a:fld id="{BB970643-4599-4FD7-B5DE-553D4EF05998}" type="slidenum">
               <a:rPr lang="en-US" smtClean="0"/>
-              <a:t>11</a:t>
+              <a:t>12</a:t>
             </a:fld>
             <a:endParaRPr lang="en-US"/>
           </a:p>
@@ -988,6 +989,90 @@
     <p:extLst>
       <p:ext uri="{BB962C8B-B14F-4D97-AF65-F5344CB8AC3E}">
         <p14:creationId xmlns:p14="http://schemas.microsoft.com/office/powerpoint/2010/main" val="149319929"/>
+      </p:ext>
+    </p:extLst>
+  </p:cSld>
+  <p:clrMapOvr>
+    <a:masterClrMapping/>
+  </p:clrMapOvr>
+</p:notes>
+</file>
+
+<file path=ppt/notesSlides/notesSlide6.xml><?xml version="1.0" encoding="utf-8"?>
+<p:notes xmlns:a="http://schemas.openxmlformats.org/drawingml/2006/main" xmlns:r="http://schemas.openxmlformats.org/officeDocument/2006/relationships" xmlns:p="http://schemas.openxmlformats.org/presentationml/2006/main">
+  <p:cSld>
+    <p:spTree>
+      <p:nvGrpSpPr>
+        <p:cNvPr id="1" name=""/>
+        <p:cNvGrpSpPr/>
+        <p:nvPr/>
+      </p:nvGrpSpPr>
+      <p:grpSpPr>
+        <a:xfrm>
+          <a:off x="0" y="0"/>
+          <a:ext cx="0" cy="0"/>
+          <a:chOff x="0" y="0"/>
+          <a:chExt cx="0" cy="0"/>
+        </a:xfrm>
+      </p:grpSpPr>
+      <p:sp>
+        <p:nvSpPr>
+          <p:cNvPr id="2" name="슬라이드 이미지 개체 틀 1"/>
+          <p:cNvSpPr>
+            <a:spLocks noGrp="1" noRot="1" noChangeAspect="1"/>
+          </p:cNvSpPr>
+          <p:nvPr>
+            <p:ph type="sldImg"/>
+          </p:nvPr>
+        </p:nvSpPr>
+        <p:spPr/>
+      </p:sp>
+      <p:sp>
+        <p:nvSpPr>
+          <p:cNvPr id="3" name="슬라이드 노트 개체 틀 2"/>
+          <p:cNvSpPr>
+            <a:spLocks noGrp="1"/>
+          </p:cNvSpPr>
+          <p:nvPr>
+            <p:ph type="body" idx="1"/>
+          </p:nvPr>
+        </p:nvSpPr>
+        <p:spPr/>
+        <p:txBody>
+          <a:bodyPr/>
+          <a:lstStyle/>
+          <a:p>
+            <a:endParaRPr lang="ko-KR" altLang="en-US" dirty="0"/>
+          </a:p>
+        </p:txBody>
+      </p:sp>
+      <p:sp>
+        <p:nvSpPr>
+          <p:cNvPr id="4" name="슬라이드 번호 개체 틀 3"/>
+          <p:cNvSpPr>
+            <a:spLocks noGrp="1"/>
+          </p:cNvSpPr>
+          <p:nvPr>
+            <p:ph type="sldNum" sz="quarter" idx="5"/>
+          </p:nvPr>
+        </p:nvSpPr>
+        <p:spPr/>
+        <p:txBody>
+          <a:bodyPr/>
+          <a:lstStyle/>
+          <a:p>
+            <a:fld id="{BB970643-4599-4FD7-B5DE-553D4EF05998}" type="slidenum">
+              <a:rPr lang="en-US" smtClean="0"/>
+              <a:t>16</a:t>
+            </a:fld>
+            <a:endParaRPr lang="en-US"/>
+          </a:p>
+        </p:txBody>
+      </p:sp>
+    </p:spTree>
+    <p:extLst>
+      <p:ext uri="{BB962C8B-B14F-4D97-AF65-F5344CB8AC3E}">
+        <p14:creationId xmlns:p14="http://schemas.microsoft.com/office/powerpoint/2010/main" val="2819594363"/>
       </p:ext>
     </p:extLst>
   </p:cSld>
@@ -1146,7 +1231,7 @@
           <a:p>
             <a:fld id="{694FCA85-2333-4EFA-BA1D-2F4BC85EA7C2}" type="datetime1">
               <a:rPr lang="LID4096" altLang="ko-KR" smtClean="0"/>
-              <a:t>05/11/2023</a:t>
+              <a:t>05/16/2023</a:t>
             </a:fld>
             <a:endParaRPr lang="en-KR"/>
           </a:p>
@@ -1346,7 +1431,7 @@
           <a:p>
             <a:fld id="{F0FCCD86-36D2-4489-AE0B-E5EF5E72DB46}" type="datetime1">
               <a:rPr lang="LID4096" altLang="ko-KR" smtClean="0"/>
-              <a:t>05/11/2023</a:t>
+              <a:t>05/16/2023</a:t>
             </a:fld>
             <a:endParaRPr lang="en-KR"/>
           </a:p>
@@ -1556,7 +1641,7 @@
           <a:p>
             <a:fld id="{8D0797C5-E792-49A3-A3BC-F34EF494A5E5}" type="datetime1">
               <a:rPr lang="LID4096" altLang="ko-KR" smtClean="0"/>
-              <a:t>05/11/2023</a:t>
+              <a:t>05/16/2023</a:t>
             </a:fld>
             <a:endParaRPr lang="en-KR"/>
           </a:p>
@@ -1807,7 +1892,7 @@
           <a:p>
             <a:fld id="{FD6A9C42-02C6-4F41-A007-870649569A14}" type="datetime1">
               <a:rPr lang="LID4096" altLang="ko-KR" smtClean="0"/>
-              <a:t>05/11/2023</a:t>
+              <a:t>05/16/2023</a:t>
             </a:fld>
             <a:endParaRPr lang="en-KR"/>
           </a:p>
@@ -2083,7 +2168,7 @@
           <a:p>
             <a:fld id="{BBAE327A-B1BA-4EA2-A526-DD9A68FF2275}" type="datetime1">
               <a:rPr lang="LID4096" altLang="ko-KR" smtClean="0"/>
-              <a:t>05/11/2023</a:t>
+              <a:t>05/16/2023</a:t>
             </a:fld>
             <a:endParaRPr lang="en-KR"/>
           </a:p>
@@ -2351,7 +2436,7 @@
           <a:p>
             <a:fld id="{51C30048-1173-4E96-8123-0745CA0A88E4}" type="datetime1">
               <a:rPr lang="LID4096" altLang="ko-KR" smtClean="0"/>
-              <a:t>05/11/2023</a:t>
+              <a:t>05/16/2023</a:t>
             </a:fld>
             <a:endParaRPr lang="en-KR"/>
           </a:p>
@@ -2766,7 +2851,7 @@
           <a:p>
             <a:fld id="{B4BB218E-6204-4F63-90FF-79A4FB52F815}" type="datetime1">
               <a:rPr lang="LID4096" altLang="ko-KR" smtClean="0"/>
-              <a:t>05/11/2023</a:t>
+              <a:t>05/16/2023</a:t>
             </a:fld>
             <a:endParaRPr lang="en-KR"/>
           </a:p>
@@ -2908,7 +2993,7 @@
           <a:p>
             <a:fld id="{2B80ABB8-0CFD-4A25-942D-881CD0E24D55}" type="datetime1">
               <a:rPr lang="LID4096" altLang="ko-KR" smtClean="0"/>
-              <a:t>05/11/2023</a:t>
+              <a:t>05/16/2023</a:t>
             </a:fld>
             <a:endParaRPr lang="en-KR"/>
           </a:p>
@@ -3021,7 +3106,7 @@
           <a:p>
             <a:fld id="{D3D955AC-1C00-41CA-A4CE-A1D7253A02D9}" type="datetime1">
               <a:rPr lang="LID4096" altLang="ko-KR" smtClean="0"/>
-              <a:t>05/11/2023</a:t>
+              <a:t>05/16/2023</a:t>
             </a:fld>
             <a:endParaRPr lang="en-KR"/>
           </a:p>
@@ -3334,7 +3419,7 @@
           <a:p>
             <a:fld id="{B2F879FD-894B-431D-9FE1-9CA775402D00}" type="datetime1">
               <a:rPr lang="LID4096" altLang="ko-KR" smtClean="0"/>
-              <a:t>05/11/2023</a:t>
+              <a:t>05/16/2023</a:t>
             </a:fld>
             <a:endParaRPr lang="en-KR"/>
           </a:p>
@@ -3623,7 +3708,7 @@
           <a:p>
             <a:fld id="{BC694B30-17CC-44C7-A7FC-9626790A6801}" type="datetime1">
               <a:rPr lang="LID4096" altLang="ko-KR" smtClean="0"/>
-              <a:t>05/11/2023</a:t>
+              <a:t>05/16/2023</a:t>
             </a:fld>
             <a:endParaRPr lang="en-KR"/>
           </a:p>
@@ -3866,7 +3951,7 @@
           <a:p>
             <a:fld id="{51DB1073-C73E-4966-BD1D-40969F8FB6EA}" type="datetime1">
               <a:rPr lang="LID4096" altLang="ko-KR" smtClean="0"/>
-              <a:t>05/11/2023</a:t>
+              <a:t>05/16/2023</a:t>
             </a:fld>
             <a:endParaRPr lang="en-KR"/>
           </a:p>
@@ -4382,6 +4467,41 @@
           </a:p>
         </p:txBody>
       </p:sp>
+      <p:pic>
+        <p:nvPicPr>
+          <p:cNvPr id="5" name="그림 4">
+            <a:extLst>
+              <a:ext uri="{FF2B5EF4-FFF2-40B4-BE49-F238E27FC236}">
+                <a16:creationId xmlns:a16="http://schemas.microsoft.com/office/drawing/2014/main" id="{1C477256-CCD0-44AE-BAE1-D6508989D7ED}"/>
+              </a:ext>
+            </a:extLst>
+          </p:cNvPr>
+          <p:cNvPicPr>
+            <a:picLocks noChangeAspect="1"/>
+          </p:cNvPicPr>
+          <p:nvPr/>
+        </p:nvPicPr>
+        <p:blipFill>
+          <a:blip r:embed="rId2"/>
+          <a:stretch>
+            <a:fillRect/>
+          </a:stretch>
+        </p:blipFill>
+        <p:spPr>
+          <a:xfrm>
+            <a:off x="1631245" y="4972673"/>
+            <a:ext cx="9150708" cy="1748802"/>
+          </a:xfrm>
+          <a:prstGeom prst="rect">
+            <a:avLst/>
+          </a:prstGeom>
+          <a:ln>
+            <a:solidFill>
+              <a:schemeClr val="accent1"/>
+            </a:solidFill>
+          </a:ln>
+        </p:spPr>
+      </p:pic>
     </p:spTree>
     <p:extLst>
       <p:ext uri="{BB962C8B-B14F-4D97-AF65-F5344CB8AC3E}">
@@ -4417,6 +4537,399 @@
           <p:cNvPr id="2" name="Title 1">
             <a:extLst>
               <a:ext uri="{FF2B5EF4-FFF2-40B4-BE49-F238E27FC236}">
+                <a16:creationId xmlns:a16="http://schemas.microsoft.com/office/drawing/2014/main" id="{B8D84275-F50C-143F-5D7A-2C56115B920C}"/>
+              </a:ext>
+            </a:extLst>
+          </p:cNvPr>
+          <p:cNvSpPr>
+            <a:spLocks noGrp="1"/>
+          </p:cNvSpPr>
+          <p:nvPr>
+            <p:ph type="title"/>
+          </p:nvPr>
+        </p:nvSpPr>
+        <p:spPr/>
+        <p:txBody>
+          <a:bodyPr/>
+          <a:lstStyle/>
+          <a:p>
+            <a:r>
+              <a:rPr lang="en-KR" dirty="0">
+                <a:latin typeface="Calibri" panose="020F0502020204030204" pitchFamily="34" charset="0"/>
+                <a:cs typeface="Calibri" panose="020F0502020204030204" pitchFamily="34" charset="0"/>
+              </a:rPr>
+              <a:t>AFL++ </a:t>
+            </a:r>
+            <a:r>
+              <a:rPr lang="en-KR">
+                <a:latin typeface="Calibri" panose="020F0502020204030204" pitchFamily="34" charset="0"/>
+                <a:cs typeface="Calibri" panose="020F0502020204030204" pitchFamily="34" charset="0"/>
+              </a:rPr>
+              <a:t>Status Screen</a:t>
+            </a:r>
+            <a:r>
+              <a:rPr lang="en-US">
+                <a:latin typeface="Calibri" panose="020F0502020204030204" pitchFamily="34" charset="0"/>
+                <a:cs typeface="Calibri" panose="020F0502020204030204" pitchFamily="34" charset="0"/>
+              </a:rPr>
+              <a:t> </a:t>
+            </a:r>
+            <a:r>
+              <a:rPr lang="en-US" altLang="ko-KR">
+                <a:latin typeface="Calibri" panose="020F0502020204030204" pitchFamily="34" charset="0"/>
+                <a:cs typeface="Calibri" panose="020F0502020204030204" pitchFamily="34" charset="0"/>
+              </a:rPr>
+              <a:t>(2/5)</a:t>
+            </a:r>
+            <a:endParaRPr lang="en-KR" dirty="0">
+              <a:latin typeface="Calibri" panose="020F0502020204030204" pitchFamily="34" charset="0"/>
+              <a:cs typeface="Calibri" panose="020F0502020204030204" pitchFamily="34" charset="0"/>
+            </a:endParaRPr>
+          </a:p>
+        </p:txBody>
+      </p:sp>
+      <p:pic>
+        <p:nvPicPr>
+          <p:cNvPr id="4" name="Picture 3">
+            <a:extLst>
+              <a:ext uri="{FF2B5EF4-FFF2-40B4-BE49-F238E27FC236}">
+                <a16:creationId xmlns:a16="http://schemas.microsoft.com/office/drawing/2014/main" id="{951595A6-F983-3D15-AAC3-9FF2E1895FD7}"/>
+              </a:ext>
+            </a:extLst>
+          </p:cNvPr>
+          <p:cNvPicPr>
+            <a:picLocks noChangeAspect="1"/>
+          </p:cNvPicPr>
+          <p:nvPr/>
+        </p:nvPicPr>
+        <p:blipFill>
+          <a:blip r:embed="rId2"/>
+          <a:stretch>
+            <a:fillRect/>
+          </a:stretch>
+        </p:blipFill>
+        <p:spPr>
+          <a:xfrm>
+            <a:off x="898567" y="2045341"/>
+            <a:ext cx="4225636" cy="3207503"/>
+          </a:xfrm>
+          <a:prstGeom prst="rect">
+            <a:avLst/>
+          </a:prstGeom>
+        </p:spPr>
+      </p:pic>
+      <p:sp>
+        <p:nvSpPr>
+          <p:cNvPr id="5" name="TextBox 4">
+            <a:extLst>
+              <a:ext uri="{FF2B5EF4-FFF2-40B4-BE49-F238E27FC236}">
+                <a16:creationId xmlns:a16="http://schemas.microsoft.com/office/drawing/2014/main" id="{BBFDB3EB-BF5B-F736-2676-FB16A7E2BC9C}"/>
+              </a:ext>
+            </a:extLst>
+          </p:cNvPr>
+          <p:cNvSpPr txBox="1"/>
+          <p:nvPr/>
+        </p:nvSpPr>
+        <p:spPr>
+          <a:xfrm>
+            <a:off x="5440880" y="2213926"/>
+            <a:ext cx="6097978" cy="1846659"/>
+          </a:xfrm>
+          <a:prstGeom prst="rect">
+            <a:avLst/>
+          </a:prstGeom>
+          <a:noFill/>
+        </p:spPr>
+        <p:txBody>
+          <a:bodyPr wrap="square">
+            <a:spAutoFit/>
+          </a:bodyPr>
+          <a:lstStyle/>
+          <a:p>
+            <a:r>
+              <a:rPr lang="en-KR" sz="2400" b="1" dirty="0"/>
+              <a:t>2) Overall results</a:t>
+            </a:r>
+          </a:p>
+          <a:p>
+            <a:pPr marL="285750" indent="-285750">
+              <a:buFont typeface="Arial" panose="020B0604020202020204" pitchFamily="34" charset="0"/>
+              <a:buChar char="•"/>
+            </a:pPr>
+            <a:r>
+              <a:rPr lang="en-KR" b="1" dirty="0"/>
+              <a:t>cycles done</a:t>
+            </a:r>
+            <a:r>
+              <a:rPr lang="en-KR" dirty="0"/>
+              <a:t>: </a:t>
+            </a:r>
+            <a:r>
+              <a:rPr lang="en-US" dirty="0"/>
+              <a:t>the count of an entire pass through the queue so far.</a:t>
+            </a:r>
+          </a:p>
+          <a:p>
+            <a:pPr marL="285750" indent="-285750">
+              <a:buFont typeface="Arial" panose="020B0604020202020204" pitchFamily="34" charset="0"/>
+              <a:buChar char="•"/>
+            </a:pPr>
+            <a:r>
+              <a:rPr lang="en-KR" b="1" dirty="0"/>
+              <a:t>corpus count</a:t>
+            </a:r>
+            <a:r>
+              <a:rPr lang="en-KR" dirty="0"/>
+              <a:t>: # of </a:t>
+            </a:r>
+            <a:r>
+              <a:rPr lang="en-US" dirty="0"/>
+              <a:t>unique </a:t>
+            </a:r>
+            <a:r>
+              <a:rPr lang="en-KR" dirty="0"/>
+              <a:t>test cases discovered so far</a:t>
+            </a:r>
+          </a:p>
+          <a:p>
+            <a:pPr marL="285750" indent="-285750">
+              <a:buFont typeface="Arial" panose="020B0604020202020204" pitchFamily="34" charset="0"/>
+              <a:buChar char="•"/>
+            </a:pPr>
+            <a:r>
+              <a:rPr lang="en-KR" b="1" dirty="0"/>
+              <a:t>saved crashes</a:t>
+            </a:r>
+            <a:r>
+              <a:rPr lang="en-KR" dirty="0"/>
+              <a:t>:</a:t>
+            </a:r>
+            <a:r>
+              <a:rPr lang="en-KR" b="1" dirty="0"/>
+              <a:t> </a:t>
+            </a:r>
+            <a:r>
+              <a:rPr lang="en-KR" dirty="0"/>
+              <a:t># of unique crashes discovered so far</a:t>
+            </a:r>
+            <a:endParaRPr lang="en-KR" b="1" dirty="0"/>
+          </a:p>
+          <a:p>
+            <a:pPr marL="285750" indent="-285750">
+              <a:buFont typeface="Arial" panose="020B0604020202020204" pitchFamily="34" charset="0"/>
+              <a:buChar char="•"/>
+            </a:pPr>
+            <a:r>
+              <a:rPr lang="en-KR" b="1" dirty="0"/>
+              <a:t>saved hangs</a:t>
+            </a:r>
+            <a:r>
+              <a:rPr lang="en-KR" dirty="0"/>
+              <a:t>: # of hangs discovered so far</a:t>
+            </a:r>
+          </a:p>
+        </p:txBody>
+      </p:sp>
+      <p:sp>
+        <p:nvSpPr>
+          <p:cNvPr id="6" name="Rectangle 5">
+            <a:extLst>
+              <a:ext uri="{FF2B5EF4-FFF2-40B4-BE49-F238E27FC236}">
+                <a16:creationId xmlns:a16="http://schemas.microsoft.com/office/drawing/2014/main" id="{A79842C8-9C05-F783-7CF5-0B8B9D4EB732}"/>
+              </a:ext>
+            </a:extLst>
+          </p:cNvPr>
+          <p:cNvSpPr/>
+          <p:nvPr/>
+        </p:nvSpPr>
+        <p:spPr>
+          <a:xfrm>
+            <a:off x="3778333" y="2256312"/>
+            <a:ext cx="1262742" cy="694706"/>
+          </a:xfrm>
+          <a:prstGeom prst="rect">
+            <a:avLst/>
+          </a:prstGeom>
+          <a:noFill/>
+          <a:ln w="38100">
+            <a:solidFill>
+              <a:srgbClr val="FF0000"/>
+            </a:solidFill>
+          </a:ln>
+        </p:spPr>
+        <p:style>
+          <a:lnRef idx="2">
+            <a:schemeClr val="accent1">
+              <a:shade val="50000"/>
+            </a:schemeClr>
+          </a:lnRef>
+          <a:fillRef idx="1">
+            <a:schemeClr val="accent1"/>
+          </a:fillRef>
+          <a:effectRef idx="0">
+            <a:schemeClr val="accent1"/>
+          </a:effectRef>
+          <a:fontRef idx="minor">
+            <a:schemeClr val="lt1"/>
+          </a:fontRef>
+        </p:style>
+        <p:txBody>
+          <a:bodyPr rtlCol="0" anchor="ctr"/>
+          <a:lstStyle/>
+          <a:p>
+            <a:pPr algn="ctr"/>
+            <a:endParaRPr lang="en-KR"/>
+          </a:p>
+        </p:txBody>
+      </p:sp>
+      <p:sp>
+        <p:nvSpPr>
+          <p:cNvPr id="7" name="TextBox 6">
+            <a:extLst>
+              <a:ext uri="{FF2B5EF4-FFF2-40B4-BE49-F238E27FC236}">
+                <a16:creationId xmlns:a16="http://schemas.microsoft.com/office/drawing/2014/main" id="{A402A2AA-A115-B362-064C-46CE8C6D3546}"/>
+              </a:ext>
+            </a:extLst>
+          </p:cNvPr>
+          <p:cNvSpPr txBox="1"/>
+          <p:nvPr/>
+        </p:nvSpPr>
+        <p:spPr>
+          <a:xfrm>
+            <a:off x="5484421" y="4122749"/>
+            <a:ext cx="6097978" cy="923330"/>
+          </a:xfrm>
+          <a:prstGeom prst="rect">
+            <a:avLst/>
+          </a:prstGeom>
+          <a:noFill/>
+        </p:spPr>
+        <p:txBody>
+          <a:bodyPr wrap="square">
+            <a:spAutoFit/>
+          </a:bodyPr>
+          <a:lstStyle/>
+          <a:p>
+            <a:r>
+              <a:rPr lang="en-US" b="0" i="0" dirty="0">
+                <a:solidFill>
+                  <a:srgbClr val="ADBAC7"/>
+                </a:solidFill>
+                <a:effectLst/>
+                <a:latin typeface="-apple-system"/>
+              </a:rPr>
+              <a:t>Crashes and hangs are considered "unique" if the associated execution paths (represented in the branch map) involve any state transitions not seen in previously-recorded faults.</a:t>
+            </a:r>
+            <a:endParaRPr lang="en-KR" dirty="0"/>
+          </a:p>
+        </p:txBody>
+      </p:sp>
+      <p:pic>
+        <p:nvPicPr>
+          <p:cNvPr id="11" name="Graphic 10">
+            <a:extLst>
+              <a:ext uri="{FF2B5EF4-FFF2-40B4-BE49-F238E27FC236}">
+                <a16:creationId xmlns:a16="http://schemas.microsoft.com/office/drawing/2014/main" id="{BD135074-8DB4-A297-ACAE-76379094F39C}"/>
+              </a:ext>
+            </a:extLst>
+          </p:cNvPr>
+          <p:cNvPicPr>
+            <a:picLocks noChangeAspect="1"/>
+          </p:cNvPicPr>
+          <p:nvPr/>
+        </p:nvPicPr>
+        <p:blipFill>
+          <a:blip r:embed="rId3" cstate="print">
+            <a:extLst>
+              <a:ext uri="{28A0092B-C50C-407E-A947-70E740481C1C}">
+                <a14:useLocalDpi xmlns:a14="http://schemas.microsoft.com/office/drawing/2010/main" val="0"/>
+              </a:ext>
+              <a:ext uri="{96DAC541-7B7A-43D3-8B79-37D633B846F1}">
+                <asvg:svgBlip xmlns:asvg="http://schemas.microsoft.com/office/drawing/2016/SVG/main" r:embed="rId4"/>
+              </a:ext>
+              <a:ext uri="{837473B0-CC2E-450A-ABE3-18F120FF3D39}">
+                <a1611:picAttrSrcUrl xmlns:a1611="http://schemas.microsoft.com/office/drawing/2016/11/main" r:id="rId5"/>
+              </a:ext>
+            </a:extLst>
+          </a:blip>
+          <a:stretch>
+            <a:fillRect/>
+          </a:stretch>
+        </p:blipFill>
+        <p:spPr>
+          <a:xfrm>
+            <a:off x="10658691" y="365125"/>
+            <a:ext cx="1086643" cy="1087673"/>
+          </a:xfrm>
+          <a:prstGeom prst="rect">
+            <a:avLst/>
+          </a:prstGeom>
+        </p:spPr>
+      </p:pic>
+      <p:sp>
+        <p:nvSpPr>
+          <p:cNvPr id="3" name="슬라이드 번호 개체 틀 2">
+            <a:extLst>
+              <a:ext uri="{FF2B5EF4-FFF2-40B4-BE49-F238E27FC236}">
+                <a16:creationId xmlns:a16="http://schemas.microsoft.com/office/drawing/2014/main" id="{4FC704D8-738C-A204-63D1-8A20E769D9D5}"/>
+              </a:ext>
+            </a:extLst>
+          </p:cNvPr>
+          <p:cNvSpPr>
+            <a:spLocks noGrp="1"/>
+          </p:cNvSpPr>
+          <p:nvPr>
+            <p:ph type="sldNum" sz="quarter" idx="12"/>
+          </p:nvPr>
+        </p:nvSpPr>
+        <p:spPr/>
+        <p:txBody>
+          <a:bodyPr/>
+          <a:lstStyle/>
+          <a:p>
+            <a:fld id="{1CF9D074-DB03-7840-94B4-4B45D2605E24}" type="slidenum">
+              <a:rPr lang="en-KR" smtClean="0"/>
+              <a:t>10</a:t>
+            </a:fld>
+            <a:endParaRPr lang="en-KR"/>
+          </a:p>
+        </p:txBody>
+      </p:sp>
+    </p:spTree>
+    <p:extLst>
+      <p:ext uri="{BB962C8B-B14F-4D97-AF65-F5344CB8AC3E}">
+        <p14:creationId xmlns:p14="http://schemas.microsoft.com/office/powerpoint/2010/main" val="147002223"/>
+      </p:ext>
+    </p:extLst>
+  </p:cSld>
+  <p:clrMapOvr>
+    <a:masterClrMapping/>
+  </p:clrMapOvr>
+</p:sld>
+</file>
+
+<file path=ppt/slides/slide11.xml><?xml version="1.0" encoding="utf-8"?>
+<p:sld xmlns:a="http://schemas.openxmlformats.org/drawingml/2006/main" xmlns:r="http://schemas.openxmlformats.org/officeDocument/2006/relationships" xmlns:p="http://schemas.openxmlformats.org/presentationml/2006/main">
+  <p:cSld>
+    <p:spTree>
+      <p:nvGrpSpPr>
+        <p:cNvPr id="1" name=""/>
+        <p:cNvGrpSpPr/>
+        <p:nvPr/>
+      </p:nvGrpSpPr>
+      <p:grpSpPr>
+        <a:xfrm>
+          <a:off x="0" y="0"/>
+          <a:ext cx="0" cy="0"/>
+          <a:chOff x="0" y="0"/>
+          <a:chExt cx="0" cy="0"/>
+        </a:xfrm>
+      </p:grpSpPr>
+      <p:sp>
+        <p:nvSpPr>
+          <p:cNvPr id="2" name="Title 1">
+            <a:extLst>
+              <a:ext uri="{FF2B5EF4-FFF2-40B4-BE49-F238E27FC236}">
                 <a16:creationId xmlns:a16="http://schemas.microsoft.com/office/drawing/2014/main" id="{7B9ACA02-28B7-84EE-A94B-FDC6CF3862B3}"/>
               </a:ext>
             </a:extLst>
@@ -4527,12 +5040,8 @@
           <a:lstStyle/>
           <a:p>
             <a:r>
-              <a:rPr lang="en-US" sz="2400" b="1"/>
-              <a:t>3) </a:t>
-            </a:r>
-            <a:r>
               <a:rPr lang="en-US" sz="2400" b="1" dirty="0"/>
-              <a:t>Map coverage</a:t>
+              <a:t>3) Map coverage</a:t>
             </a:r>
           </a:p>
           <a:p>
@@ -4546,7 +5055,15 @@
             </a:r>
             <a:r>
               <a:rPr lang="en-US" dirty="0"/>
-              <a:t>: branch coverage of the current input / accumulated branch coverage of the entire inputs</a:t>
+              <a:t>: branch/edge coverage of the current input / accumulated branch</a:t>
+            </a:r>
+            <a:r>
+              <a:rPr lang="en-US"/>
+              <a:t>/edge </a:t>
+            </a:r>
+            <a:r>
+              <a:rPr lang="en-US" dirty="0"/>
+              <a:t>coverage of the entire inputs</a:t>
             </a:r>
           </a:p>
           <a:p>
@@ -4560,11 +5077,7 @@
             </a:r>
             <a:r>
               <a:rPr lang="en-US" dirty="0"/>
-              <a:t>: the variability in tuple </a:t>
-            </a:r>
-            <a:r>
-              <a:rPr lang="en-US"/>
-              <a:t>hit counts </a:t>
+              <a:t>: the variability in tuple hit counts </a:t>
             </a:r>
           </a:p>
           <a:p>
@@ -4573,10 +5086,9 @@
               <a:buChar char="•"/>
             </a:pPr>
             <a:r>
-              <a:rPr lang="en-US"/>
+              <a:rPr lang="en-US" dirty="0"/>
               <a:t>1~8 bits/tuple</a:t>
             </a:r>
-            <a:endParaRPr lang="en-US" dirty="0"/>
           </a:p>
         </p:txBody>
       </p:sp>
@@ -4697,7 +5209,7 @@
           <a:p>
             <a:fld id="{1CF9D074-DB03-7840-94B4-4B45D2605E24}" type="slidenum">
               <a:rPr lang="en-KR" smtClean="0"/>
-              <a:t>10</a:t>
+              <a:t>11</a:t>
             </a:fld>
             <a:endParaRPr lang="en-KR"/>
           </a:p>
@@ -4716,7 +5228,7 @@
 </p:sld>
 </file>
 
-<file path=ppt/slides/slide11.xml><?xml version="1.0" encoding="utf-8"?>
+<file path=ppt/slides/slide12.xml><?xml version="1.0" encoding="utf-8"?>
 <p:sld xmlns:a="http://schemas.openxmlformats.org/drawingml/2006/main" xmlns:r="http://schemas.openxmlformats.org/officeDocument/2006/relationships" xmlns:p="http://schemas.openxmlformats.org/presentationml/2006/main">
   <p:cSld>
     <p:spTree>
@@ -5134,7 +5646,7 @@
           <a:p>
             <a:fld id="{1CF9D074-DB03-7840-94B4-4B45D2605E24}" type="slidenum">
               <a:rPr lang="en-KR" smtClean="0"/>
-              <a:t>11</a:t>
+              <a:t>12</a:t>
             </a:fld>
             <a:endParaRPr lang="en-KR"/>
           </a:p>
@@ -5153,7 +5665,7 @@
 </p:sld>
 </file>
 
-<file path=ppt/slides/slide12.xml><?xml version="1.0" encoding="utf-8"?>
+<file path=ppt/slides/slide13.xml><?xml version="1.0" encoding="utf-8"?>
 <p:sld xmlns:a="http://schemas.openxmlformats.org/drawingml/2006/main" xmlns:r="http://schemas.openxmlformats.org/officeDocument/2006/relationships" xmlns:p="http://schemas.openxmlformats.org/presentationml/2006/main">
   <p:cSld>
     <p:spTree>
@@ -5574,7 +6086,7 @@
           <a:p>
             <a:fld id="{1CF9D074-DB03-7840-94B4-4B45D2605E24}" type="slidenum">
               <a:rPr lang="en-KR" smtClean="0"/>
-              <a:t>12</a:t>
+              <a:t>13</a:t>
             </a:fld>
             <a:endParaRPr lang="en-KR"/>
           </a:p>
@@ -5593,7 +6105,7 @@
 </p:sld>
 </file>
 
-<file path=ppt/slides/slide13.xml><?xml version="1.0" encoding="utf-8"?>
+<file path=ppt/slides/slide14.xml><?xml version="1.0" encoding="utf-8"?>
 <p:sld xmlns:a="http://schemas.openxmlformats.org/drawingml/2006/main" xmlns:r="http://schemas.openxmlformats.org/officeDocument/2006/relationships" xmlns:p="http://schemas.openxmlformats.org/presentationml/2006/main">
   <p:cSld>
     <p:spTree>
@@ -5670,12 +6182,16 @@
           <a:lstStyle/>
           <a:p>
             <a:r>
-              <a:rPr lang="en-US" sz="2000" dirty="0"/>
+              <a:rPr lang="en-US" sz="2000" b="1" dirty="0"/>
               <a:t>queue</a:t>
             </a:r>
             <a:r>
+              <a:rPr lang="en-US" sz="2000" b="1"/>
+              <a:t>/  </a:t>
+            </a:r>
+            <a:r>
               <a:rPr lang="en-US" sz="2000"/>
-              <a:t>/  - Input files </a:t>
+              <a:t>- Input files </a:t>
             </a:r>
             <a:r>
               <a:rPr lang="en-US" sz="2000" dirty="0"/>
@@ -5711,18 +6227,12 @@
           </a:p>
           <a:p>
             <a:r>
+              <a:rPr lang="en-US" sz="2000"/>
+              <a:t>fuzzer</a:t>
+            </a:r>
+            <a:r>
               <a:rPr lang="en-US" sz="2000" dirty="0" err="1"/>
-              <a:t>fuzz_bitmap</a:t>
-            </a:r>
-            <a:r>
-              <a:rPr lang="en-US" sz="2000" dirty="0"/>
-              <a:t> – Internal bitmap data used in AFL++</a:t>
-            </a:r>
-          </a:p>
-          <a:p>
-            <a:r>
-              <a:rPr lang="en-US" sz="2000" dirty="0" err="1"/>
-              <a:t>fuzzer_setup</a:t>
+              <a:t>_setup</a:t>
             </a:r>
             <a:r>
               <a:rPr lang="en-US" sz="2000" dirty="0"/>
@@ -5754,8 +6264,29 @@
             </a:r>
             <a:r>
               <a:rPr lang="en-US" sz="2000" dirty="0"/>
-              <a:t> – Stats for each testcase</a:t>
-            </a:r>
+              <a:t> </a:t>
+            </a:r>
+            <a:r>
+              <a:rPr lang="en-US" sz="2000"/>
+              <a:t>– Stat </a:t>
+            </a:r>
+            <a:r>
+              <a:rPr lang="en-US" sz="2000" dirty="0"/>
+              <a:t>for </a:t>
+            </a:r>
+            <a:r>
+              <a:rPr lang="en-US" sz="2000"/>
+              <a:t>each input</a:t>
+            </a:r>
+            <a:r>
+              <a:rPr lang="ko-KR" altLang="en-US" sz="2000"/>
+              <a:t> </a:t>
+            </a:r>
+            <a:r>
+              <a:rPr lang="en-US" altLang="ko-KR" sz="2000"/>
+              <a:t>file</a:t>
+            </a:r>
+            <a:endParaRPr lang="en-US" sz="2000" dirty="0"/>
           </a:p>
           <a:p>
             <a:endParaRPr lang="en-US" sz="2000" dirty="0"/>
@@ -6405,7 +6936,7 @@
           <a:p>
             <a:fld id="{1CF9D074-DB03-7840-94B4-4B45D2605E24}" type="slidenum">
               <a:rPr lang="en-KR" smtClean="0"/>
-              <a:t>13</a:t>
+              <a:t>14</a:t>
             </a:fld>
             <a:endParaRPr lang="en-KR"/>
           </a:p>
@@ -6424,7 +6955,7 @@
 </p:sld>
 </file>
 
-<file path=ppt/slides/slide14.xml><?xml version="1.0" encoding="utf-8"?>
+<file path=ppt/slides/slide15.xml><?xml version="1.0" encoding="utf-8"?>
 <p:sld xmlns:a="http://schemas.openxmlformats.org/drawingml/2006/main" xmlns:r="http://schemas.openxmlformats.org/officeDocument/2006/relationships" xmlns:p="http://schemas.openxmlformats.org/presentationml/2006/main">
   <p:cSld>
     <p:spTree>
@@ -7574,7 +8105,7 @@
           <a:p>
             <a:fld id="{1CF9D074-DB03-7840-94B4-4B45D2605E24}" type="slidenum">
               <a:rPr lang="en-KR" smtClean="0"/>
-              <a:t>14</a:t>
+              <a:t>15</a:t>
             </a:fld>
             <a:endParaRPr lang="en-KR"/>
           </a:p>
@@ -7593,7 +8124,7 @@
 </p:sld>
 </file>
 
-<file path=ppt/slides/slide15.xml><?xml version="1.0" encoding="utf-8"?>
+<file path=ppt/slides/slide16.xml><?xml version="1.0" encoding="utf-8"?>
 <p:sld xmlns:a="http://schemas.openxmlformats.org/drawingml/2006/main" xmlns:r="http://schemas.openxmlformats.org/officeDocument/2006/relationships" xmlns:p="http://schemas.openxmlformats.org/presentationml/2006/main">
   <p:cSld>
     <p:spTree>
@@ -7722,17 +8253,22 @@
             <p:ph type="title"/>
           </p:nvPr>
         </p:nvSpPr>
-        <p:spPr/>
+        <p:spPr>
+          <a:xfrm>
+            <a:off x="838200" y="237802"/>
+            <a:ext cx="10515600" cy="1325563"/>
+          </a:xfrm>
+        </p:spPr>
         <p:txBody>
           <a:bodyPr/>
           <a:lstStyle/>
           <a:p>
             <a:r>
-              <a:rPr lang="en-US">
+              <a:rPr lang="en-US" dirty="0">
                 <a:latin typeface="Calibri" panose="020F0502020204030204" pitchFamily="34" charset="0"/>
                 <a:cs typeface="Calibri" panose="020F0502020204030204" pitchFamily="34" charset="0"/>
               </a:rPr>
-              <a:t>Necessity of a Cumtomized Fuzzing Driver</a:t>
+              <a:t>Necessity of a Customized Fuzzing Driver</a:t>
             </a:r>
             <a:endParaRPr lang="en-KR" dirty="0">
               <a:latin typeface="Calibri" panose="020F0502020204030204" pitchFamily="34" charset="0"/>
@@ -9101,16 +9637,16 @@
           <p:nvPr/>
         </p:nvPicPr>
         <p:blipFill>
-          <a:blip r:embed="rId2" cstate="print">
+          <a:blip r:embed="rId3" cstate="print">
             <a:extLst>
               <a:ext uri="{28A0092B-C50C-407E-A947-70E740481C1C}">
                 <a14:useLocalDpi xmlns:a14="http://schemas.microsoft.com/office/drawing/2010/main" val="0"/>
               </a:ext>
               <a:ext uri="{96DAC541-7B7A-43D3-8B79-37D633B846F1}">
-                <asvg:svgBlip xmlns:asvg="http://schemas.microsoft.com/office/drawing/2016/SVG/main" r:embed="rId3"/>
+                <asvg:svgBlip xmlns:asvg="http://schemas.microsoft.com/office/drawing/2016/SVG/main" r:embed="rId4"/>
               </a:ext>
               <a:ext uri="{837473B0-CC2E-450A-ABE3-18F120FF3D39}">
-                <a1611:picAttrSrcUrl xmlns:a1611="http://schemas.microsoft.com/office/drawing/2016/11/main" r:id="rId4"/>
+                <a1611:picAttrSrcUrl xmlns:a1611="http://schemas.microsoft.com/office/drawing/2016/11/main" r:id="rId5"/>
               </a:ext>
             </a:extLst>
           </a:blip>
@@ -9151,7 +9687,7 @@
           <a:p>
             <a:fld id="{1CF9D074-DB03-7840-94B4-4B45D2605E24}" type="slidenum">
               <a:rPr lang="en-KR" smtClean="0"/>
-              <a:t>15</a:t>
+              <a:t>16</a:t>
             </a:fld>
             <a:endParaRPr lang="en-KR"/>
           </a:p>
@@ -10982,7 +11518,7 @@
               <a:buChar char="•"/>
             </a:pPr>
             <a:r>
-              <a:rPr lang="en-US" sz="1800" dirty="0">
+              <a:rPr lang="en-US" sz="1800">
                 <a:solidFill>
                   <a:schemeClr val="tx1">
                     <a:lumMod val="65000"/>
@@ -10990,7 +11526,18 @@
                   </a:schemeClr>
                 </a:solidFill>
               </a:rPr>
-              <a:t>Applying ALF++ in </a:t>
+              <a:t>Applying AFL++ </a:t>
+            </a:r>
+            <a:r>
+              <a:rPr lang="en-US" sz="1800" dirty="0">
+                <a:solidFill>
+                  <a:schemeClr val="tx1">
+                    <a:lumMod val="65000"/>
+                    <a:lumOff val="35000"/>
+                  </a:schemeClr>
+                </a:solidFill>
+              </a:rPr>
+              <a:t>in </a:t>
             </a:r>
             <a:r>
               <a:rPr lang="en-US" sz="1800" dirty="0" err="1">
@@ -12511,11 +13058,11 @@
           <a:lstStyle/>
           <a:p>
             <a:r>
-              <a:rPr lang="en-US">
+              <a:rPr lang="en-US" dirty="0">
                 <a:latin typeface="Calibri" panose="020F0502020204030204" pitchFamily="34" charset="0"/>
                 <a:cs typeface="Calibri" panose="020F0502020204030204" pitchFamily="34" charset="0"/>
               </a:rPr>
-              <a:t>Step 3. Fuzz Target  </a:t>
+              <a:t>Step 3. Fuzz Target (command-line options)  </a:t>
             </a:r>
             <a:endParaRPr lang="en-KR" dirty="0">
               <a:latin typeface="Calibri" panose="020F0502020204030204" pitchFamily="34" charset="0"/>
@@ -12942,11 +13489,11 @@
           <a:lstStyle/>
           <a:p>
             <a:r>
-              <a:rPr lang="en-US">
+              <a:rPr lang="en-US" dirty="0">
                 <a:latin typeface="Calibri" panose="020F0502020204030204" pitchFamily="34" charset="0"/>
                 <a:cs typeface="Calibri" panose="020F0502020204030204" pitchFamily="34" charset="0"/>
               </a:rPr>
-              <a:t>Step 3. Fuzz Target  (env. variables)</a:t>
+              <a:t>Step 3. Fuzz Target  (env. variables: optional)</a:t>
             </a:r>
             <a:endParaRPr lang="en-KR" dirty="0">
               <a:latin typeface="Calibri" panose="020F0502020204030204" pitchFamily="34" charset="0"/>
@@ -13563,6 +14110,607 @@
 </file>
 
 <file path=ppt/slides/slide8.xml><?xml version="1.0" encoding="utf-8"?>
+<p:sld xmlns:a="http://schemas.openxmlformats.org/drawingml/2006/main" xmlns:r="http://schemas.openxmlformats.org/officeDocument/2006/relationships" xmlns:p="http://schemas.openxmlformats.org/presentationml/2006/main">
+  <p:cSld>
+    <p:spTree>
+      <p:nvGrpSpPr>
+        <p:cNvPr id="1" name=""/>
+        <p:cNvGrpSpPr/>
+        <p:nvPr/>
+      </p:nvGrpSpPr>
+      <p:grpSpPr>
+        <a:xfrm>
+          <a:off x="0" y="0"/>
+          <a:ext cx="0" cy="0"/>
+          <a:chOff x="0" y="0"/>
+          <a:chExt cx="0" cy="0"/>
+        </a:xfrm>
+      </p:grpSpPr>
+      <p:sp>
+        <p:nvSpPr>
+          <p:cNvPr id="2" name="Title 1">
+            <a:extLst>
+              <a:ext uri="{FF2B5EF4-FFF2-40B4-BE49-F238E27FC236}">
+                <a16:creationId xmlns:a16="http://schemas.microsoft.com/office/drawing/2014/main" id="{084B8D33-CFDD-E7A1-B963-778BBFA39E92}"/>
+              </a:ext>
+            </a:extLst>
+          </p:cNvPr>
+          <p:cNvSpPr>
+            <a:spLocks noGrp="1"/>
+          </p:cNvSpPr>
+          <p:nvPr>
+            <p:ph type="title"/>
+          </p:nvPr>
+        </p:nvSpPr>
+        <p:spPr>
+          <a:xfrm>
+            <a:off x="838200" y="22468"/>
+            <a:ext cx="10515600" cy="1325563"/>
+          </a:xfrm>
+        </p:spPr>
+        <p:txBody>
+          <a:bodyPr/>
+          <a:lstStyle/>
+          <a:p>
+            <a:r>
+              <a:rPr lang="en-US" dirty="0">
+                <a:latin typeface="Calibri" panose="020F0502020204030204" pitchFamily="34" charset="0"/>
+                <a:cs typeface="Calibri" panose="020F0502020204030204" pitchFamily="34" charset="0"/>
+              </a:rPr>
+              <a:t>Step 3. Fuzz Target  </a:t>
+            </a:r>
+            <a:br>
+              <a:rPr lang="en-US" dirty="0">
+                <a:latin typeface="Calibri" panose="020F0502020204030204" pitchFamily="34" charset="0"/>
+                <a:cs typeface="Calibri" panose="020F0502020204030204" pitchFamily="34" charset="0"/>
+              </a:rPr>
+            </a:br>
+            <a:r>
+              <a:rPr lang="en-US" sz="4000" dirty="0">
+                <a:latin typeface="Calibri" panose="020F0502020204030204" pitchFamily="34" charset="0"/>
+                <a:cs typeface="Calibri" panose="020F0502020204030204" pitchFamily="34" charset="0"/>
+              </a:rPr>
+              <a:t>(AFL++ macros in a fuzzing driver: optional)</a:t>
+            </a:r>
+            <a:endParaRPr lang="en-KR" sz="4000" dirty="0">
+              <a:latin typeface="Calibri" panose="020F0502020204030204" pitchFamily="34" charset="0"/>
+              <a:cs typeface="Calibri" panose="020F0502020204030204" pitchFamily="34" charset="0"/>
+            </a:endParaRPr>
+          </a:p>
+        </p:txBody>
+      </p:sp>
+      <p:pic>
+        <p:nvPicPr>
+          <p:cNvPr id="4" name="Graphic 3">
+            <a:extLst>
+              <a:ext uri="{FF2B5EF4-FFF2-40B4-BE49-F238E27FC236}">
+                <a16:creationId xmlns:a16="http://schemas.microsoft.com/office/drawing/2014/main" id="{D98EA408-74BF-2B18-F54D-BABAFC858F6B}"/>
+              </a:ext>
+            </a:extLst>
+          </p:cNvPr>
+          <p:cNvPicPr>
+            <a:picLocks noChangeAspect="1"/>
+          </p:cNvPicPr>
+          <p:nvPr/>
+        </p:nvPicPr>
+        <p:blipFill>
+          <a:blip r:embed="rId2" cstate="print">
+            <a:extLst>
+              <a:ext uri="{28A0092B-C50C-407E-A947-70E740481C1C}">
+                <a14:useLocalDpi xmlns:a14="http://schemas.microsoft.com/office/drawing/2010/main" val="0"/>
+              </a:ext>
+              <a:ext uri="{96DAC541-7B7A-43D3-8B79-37D633B846F1}">
+                <asvg:svgBlip xmlns:asvg="http://schemas.microsoft.com/office/drawing/2016/SVG/main" r:embed="rId3"/>
+              </a:ext>
+              <a:ext uri="{837473B0-CC2E-450A-ABE3-18F120FF3D39}">
+                <a1611:picAttrSrcUrl xmlns:a1611="http://schemas.microsoft.com/office/drawing/2016/11/main" r:id="rId4"/>
+              </a:ext>
+            </a:extLst>
+          </a:blip>
+          <a:stretch>
+            <a:fillRect/>
+          </a:stretch>
+        </p:blipFill>
+        <p:spPr>
+          <a:xfrm>
+            <a:off x="10658691" y="365125"/>
+            <a:ext cx="1086643" cy="1087673"/>
+          </a:xfrm>
+          <a:prstGeom prst="rect">
+            <a:avLst/>
+          </a:prstGeom>
+        </p:spPr>
+      </p:pic>
+      <p:sp>
+        <p:nvSpPr>
+          <p:cNvPr id="5" name="슬라이드 번호 개체 틀 4">
+            <a:extLst>
+              <a:ext uri="{FF2B5EF4-FFF2-40B4-BE49-F238E27FC236}">
+                <a16:creationId xmlns:a16="http://schemas.microsoft.com/office/drawing/2014/main" id="{FF10DDB2-8314-FCC8-CB93-0E20C82AD3F6}"/>
+              </a:ext>
+            </a:extLst>
+          </p:cNvPr>
+          <p:cNvSpPr>
+            <a:spLocks noGrp="1"/>
+          </p:cNvSpPr>
+          <p:nvPr>
+            <p:ph type="sldNum" sz="quarter" idx="12"/>
+          </p:nvPr>
+        </p:nvSpPr>
+        <p:spPr/>
+        <p:txBody>
+          <a:bodyPr/>
+          <a:lstStyle/>
+          <a:p>
+            <a:fld id="{1CF9D074-DB03-7840-94B4-4B45D2605E24}" type="slidenum">
+              <a:rPr lang="en-KR" smtClean="0"/>
+              <a:t>8</a:t>
+            </a:fld>
+            <a:endParaRPr lang="en-KR"/>
+          </a:p>
+        </p:txBody>
+      </p:sp>
+      <p:sp>
+        <p:nvSpPr>
+          <p:cNvPr id="3" name="TextBox 2">
+            <a:extLst>
+              <a:ext uri="{FF2B5EF4-FFF2-40B4-BE49-F238E27FC236}">
+                <a16:creationId xmlns:a16="http://schemas.microsoft.com/office/drawing/2014/main" id="{9AB28FEE-FD1B-4937-86C6-9D75D784273B}"/>
+              </a:ext>
+            </a:extLst>
+          </p:cNvPr>
+          <p:cNvSpPr txBox="1"/>
+          <p:nvPr/>
+        </p:nvSpPr>
+        <p:spPr>
+          <a:xfrm>
+            <a:off x="324088" y="1594353"/>
+            <a:ext cx="7854217" cy="4944559"/>
+          </a:xfrm>
+          <a:prstGeom prst="rect">
+            <a:avLst/>
+          </a:prstGeom>
+          <a:noFill/>
+        </p:spPr>
+        <p:txBody>
+          <a:bodyPr wrap="square" rtlCol="0">
+            <a:spAutoFit/>
+          </a:bodyPr>
+          <a:lstStyle/>
+          <a:p>
+            <a:pPr>
+              <a:lnSpc>
+                <a:spcPct val="130000"/>
+              </a:lnSpc>
+            </a:pPr>
+            <a:r>
+              <a:rPr lang="en-US" altLang="ko-KR" sz="2800" dirty="0"/>
+              <a:t>Ex. AFL++ with partial</a:t>
+            </a:r>
+            <a:r>
+              <a:rPr lang="ko-KR" altLang="en-US" sz="2800" dirty="0"/>
+              <a:t> </a:t>
+            </a:r>
+            <a:r>
+              <a:rPr lang="en-US" altLang="ko-KR" sz="2800" dirty="0"/>
+              <a:t>instrumentation</a:t>
+            </a:r>
+          </a:p>
+          <a:p>
+            <a:pPr>
+              <a:lnSpc>
+                <a:spcPct val="130000"/>
+              </a:lnSpc>
+            </a:pPr>
+            <a:r>
+              <a:rPr lang="en-US" altLang="ko-KR" dirty="0">
+                <a:hlinkClick r:id="rId5"/>
+              </a:rPr>
+              <a:t>https://</a:t>
+            </a:r>
+            <a:r>
+              <a:rPr lang="en-US" altLang="ko-KR" dirty="0" err="1">
+                <a:hlinkClick r:id="rId5"/>
+              </a:rPr>
+              <a:t>github.com</a:t>
+            </a:r>
+            <a:r>
+              <a:rPr lang="en-US" altLang="ko-KR" dirty="0">
+                <a:hlinkClick r:id="rId5"/>
+              </a:rPr>
+              <a:t>/</a:t>
+            </a:r>
+            <a:r>
+              <a:rPr lang="en-US" altLang="ko-KR" dirty="0" err="1">
+                <a:hlinkClick r:id="rId5"/>
+              </a:rPr>
+              <a:t>AFLplusplus</a:t>
+            </a:r>
+            <a:r>
+              <a:rPr lang="en-US" altLang="ko-KR" dirty="0">
+                <a:hlinkClick r:id="rId5"/>
+              </a:rPr>
+              <a:t>/</a:t>
+            </a:r>
+            <a:r>
+              <a:rPr lang="en-US" altLang="ko-KR" dirty="0" err="1">
+                <a:hlinkClick r:id="rId5"/>
+              </a:rPr>
+              <a:t>AFLplusplus</a:t>
+            </a:r>
+            <a:r>
+              <a:rPr lang="en-US" altLang="ko-KR" dirty="0">
+                <a:hlinkClick r:id="rId5"/>
+              </a:rPr>
+              <a:t>/blob/stable/instrumentation/</a:t>
+            </a:r>
+            <a:r>
+              <a:rPr lang="en-US" altLang="ko-KR" dirty="0" err="1">
+                <a:hlinkClick r:id="rId5"/>
+              </a:rPr>
+              <a:t>README.instrument_list.md</a:t>
+            </a:r>
+            <a:endParaRPr lang="en-US" altLang="ko-KR" dirty="0"/>
+          </a:p>
+          <a:p>
+            <a:pPr marL="285750" indent="-285750">
+              <a:lnSpc>
+                <a:spcPct val="130000"/>
+              </a:lnSpc>
+              <a:buFont typeface="Arial" panose="020B0604020202020204" pitchFamily="34" charset="0"/>
+              <a:buChar char="•"/>
+            </a:pPr>
+            <a:r>
+              <a:rPr lang="en-US" altLang="ko-KR" dirty="0"/>
+              <a:t>When fuzzing complex programs where only a part of the program is the fuzzing target, it often helps to only instrument the necessary parts of the program, leaving the rest </a:t>
+            </a:r>
+            <a:r>
+              <a:rPr lang="en-US" altLang="ko-KR" dirty="0" err="1"/>
+              <a:t>uninstrumented</a:t>
+            </a:r>
+            <a:r>
+              <a:rPr lang="en-US" altLang="ko-KR" dirty="0"/>
+              <a:t>.</a:t>
+            </a:r>
+          </a:p>
+          <a:p>
+            <a:pPr marL="285750" indent="-285750">
+              <a:lnSpc>
+                <a:spcPct val="130000"/>
+              </a:lnSpc>
+              <a:buFont typeface="Arial" panose="020B0604020202020204" pitchFamily="34" charset="0"/>
+              <a:buChar char="•"/>
+            </a:pPr>
+            <a:endParaRPr lang="en-US" altLang="ko-KR" dirty="0"/>
+          </a:p>
+          <a:p>
+            <a:pPr marL="285750" indent="-285750">
+              <a:lnSpc>
+                <a:spcPct val="130000"/>
+              </a:lnSpc>
+              <a:buFont typeface="Arial" panose="020B0604020202020204" pitchFamily="34" charset="0"/>
+              <a:buChar char="•"/>
+            </a:pPr>
+            <a:r>
+              <a:rPr lang="en-US" altLang="ko-KR" dirty="0">
+                <a:latin typeface="Courier New" panose="02070309020205020404" pitchFamily="49" charset="0"/>
+                <a:cs typeface="Courier New" panose="02070309020205020404" pitchFamily="49" charset="0"/>
+              </a:rPr>
+              <a:t>__</a:t>
+            </a:r>
+            <a:r>
+              <a:rPr lang="en-US" altLang="ko-KR" dirty="0" err="1">
+                <a:latin typeface="Courier New" panose="02070309020205020404" pitchFamily="49" charset="0"/>
+                <a:cs typeface="Courier New" panose="02070309020205020404" pitchFamily="49" charset="0"/>
+              </a:rPr>
+              <a:t>AFL_COVERAGE_ON</a:t>
+            </a:r>
+            <a:r>
+              <a:rPr lang="en-US" altLang="ko-KR" dirty="0">
+                <a:latin typeface="Courier New" panose="02070309020205020404" pitchFamily="49" charset="0"/>
+                <a:cs typeface="Courier New" panose="02070309020205020404" pitchFamily="49" charset="0"/>
+              </a:rPr>
+              <a:t>()</a:t>
+            </a:r>
+            <a:r>
+              <a:rPr lang="en-US" altLang="ko-KR" dirty="0"/>
+              <a:t> - Enable coverage from this point onwards.</a:t>
+            </a:r>
+          </a:p>
+          <a:p>
+            <a:pPr marL="285750" indent="-285750">
+              <a:lnSpc>
+                <a:spcPct val="130000"/>
+              </a:lnSpc>
+              <a:buFont typeface="Arial" panose="020B0604020202020204" pitchFamily="34" charset="0"/>
+              <a:buChar char="•"/>
+            </a:pPr>
+            <a:r>
+              <a:rPr lang="en-US" altLang="ko-KR" dirty="0">
+                <a:latin typeface="Courier New" panose="02070309020205020404" pitchFamily="49" charset="0"/>
+                <a:cs typeface="Courier New" panose="02070309020205020404" pitchFamily="49" charset="0"/>
+              </a:rPr>
+              <a:t>__</a:t>
+            </a:r>
+            <a:r>
+              <a:rPr lang="en-US" altLang="ko-KR" dirty="0" err="1">
+                <a:latin typeface="Courier New" panose="02070309020205020404" pitchFamily="49" charset="0"/>
+                <a:cs typeface="Courier New" panose="02070309020205020404" pitchFamily="49" charset="0"/>
+              </a:rPr>
+              <a:t>AFL_COVERAGE_OFF</a:t>
+            </a:r>
+            <a:r>
+              <a:rPr lang="en-US" altLang="ko-KR" dirty="0">
+                <a:latin typeface="Courier New" panose="02070309020205020404" pitchFamily="49" charset="0"/>
+                <a:cs typeface="Courier New" panose="02070309020205020404" pitchFamily="49" charset="0"/>
+              </a:rPr>
+              <a:t>() </a:t>
+            </a:r>
+            <a:r>
+              <a:rPr lang="en-US" altLang="ko-KR" dirty="0"/>
+              <a:t>- Disable coverage from this point onwards.</a:t>
+            </a:r>
+          </a:p>
+          <a:p>
+            <a:pPr marL="285750" indent="-285750">
+              <a:lnSpc>
+                <a:spcPct val="130000"/>
+              </a:lnSpc>
+              <a:buFont typeface="Arial" panose="020B0604020202020204" pitchFamily="34" charset="0"/>
+              <a:buChar char="•"/>
+            </a:pPr>
+            <a:r>
+              <a:rPr lang="en-US" altLang="ko-KR" dirty="0">
+                <a:latin typeface="Courier New" panose="02070309020205020404" pitchFamily="49" charset="0"/>
+                <a:cs typeface="Courier New" panose="02070309020205020404" pitchFamily="49" charset="0"/>
+              </a:rPr>
+              <a:t>__</a:t>
+            </a:r>
+            <a:r>
+              <a:rPr lang="en-US" altLang="ko-KR" dirty="0" err="1">
+                <a:latin typeface="Courier New" panose="02070309020205020404" pitchFamily="49" charset="0"/>
+                <a:cs typeface="Courier New" panose="02070309020205020404" pitchFamily="49" charset="0"/>
+              </a:rPr>
+              <a:t>AFL_COVERAGE_DISCARD</a:t>
+            </a:r>
+            <a:r>
+              <a:rPr lang="en-US" altLang="ko-KR" dirty="0">
+                <a:latin typeface="Courier New" panose="02070309020205020404" pitchFamily="49" charset="0"/>
+                <a:cs typeface="Courier New" panose="02070309020205020404" pitchFamily="49" charset="0"/>
+              </a:rPr>
+              <a:t>()</a:t>
+            </a:r>
+            <a:r>
+              <a:rPr lang="en-US" altLang="ko-KR" dirty="0"/>
+              <a:t>- Reset all coverage gathered until this point.</a:t>
+            </a:r>
+          </a:p>
+          <a:p>
+            <a:pPr marL="285750" indent="-285750">
+              <a:lnSpc>
+                <a:spcPct val="130000"/>
+              </a:lnSpc>
+              <a:buFont typeface="Arial" panose="020B0604020202020204" pitchFamily="34" charset="0"/>
+              <a:buChar char="•"/>
+            </a:pPr>
+            <a:r>
+              <a:rPr lang="en-US" altLang="ko-KR" dirty="0">
+                <a:latin typeface="Courier New" panose="02070309020205020404" pitchFamily="49" charset="0"/>
+                <a:cs typeface="Courier New" panose="02070309020205020404" pitchFamily="49" charset="0"/>
+              </a:rPr>
+              <a:t>__</a:t>
+            </a:r>
+            <a:r>
+              <a:rPr lang="en-US" altLang="ko-KR" dirty="0" err="1">
+                <a:latin typeface="Courier New" panose="02070309020205020404" pitchFamily="49" charset="0"/>
+                <a:cs typeface="Courier New" panose="02070309020205020404" pitchFamily="49" charset="0"/>
+              </a:rPr>
+              <a:t>AFL_COVERAGE_SKIP</a:t>
+            </a:r>
+            <a:r>
+              <a:rPr lang="en-US" altLang="ko-KR" dirty="0">
+                <a:latin typeface="Courier New" panose="02070309020205020404" pitchFamily="49" charset="0"/>
+                <a:cs typeface="Courier New" panose="02070309020205020404" pitchFamily="49" charset="0"/>
+              </a:rPr>
+              <a:t>() </a:t>
+            </a:r>
+            <a:r>
+              <a:rPr lang="en-US" altLang="ko-KR" dirty="0"/>
+              <a:t>- Mark this test case as unimportant. Whatever happens, </a:t>
+            </a:r>
+            <a:r>
+              <a:rPr lang="en-US" altLang="ko-KR" dirty="0" err="1"/>
+              <a:t>afl</a:t>
+            </a:r>
+            <a:r>
+              <a:rPr lang="en-US" altLang="ko-KR" dirty="0"/>
+              <a:t>-fuzz will ignore it.</a:t>
+            </a:r>
+          </a:p>
+          <a:p>
+            <a:pPr>
+              <a:lnSpc>
+                <a:spcPct val="130000"/>
+              </a:lnSpc>
+            </a:pPr>
+            <a:endParaRPr lang="ko-KR" altLang="en-US" dirty="0"/>
+          </a:p>
+        </p:txBody>
+      </p:sp>
+      <p:sp>
+        <p:nvSpPr>
+          <p:cNvPr id="8" name="TextBox 7">
+            <a:extLst>
+              <a:ext uri="{FF2B5EF4-FFF2-40B4-BE49-F238E27FC236}">
+                <a16:creationId xmlns:a16="http://schemas.microsoft.com/office/drawing/2014/main" id="{BA0A679C-E435-4C4A-BD48-76317E3BDB0A}"/>
+              </a:ext>
+            </a:extLst>
+          </p:cNvPr>
+          <p:cNvSpPr txBox="1"/>
+          <p:nvPr/>
+        </p:nvSpPr>
+        <p:spPr>
+          <a:xfrm>
+            <a:off x="8375078" y="3066558"/>
+            <a:ext cx="3548985" cy="3139321"/>
+          </a:xfrm>
+          <a:prstGeom prst="rect">
+            <a:avLst/>
+          </a:prstGeom>
+          <a:noFill/>
+          <a:ln>
+            <a:solidFill>
+              <a:schemeClr val="accent1"/>
+            </a:solidFill>
+          </a:ln>
+        </p:spPr>
+        <p:txBody>
+          <a:bodyPr wrap="none" rtlCol="0">
+            <a:spAutoFit/>
+          </a:bodyPr>
+          <a:lstStyle/>
+          <a:p>
+            <a:r>
+              <a:rPr lang="en-US" altLang="ko-KR" dirty="0">
+                <a:latin typeface="Courier New" panose="02070309020205020404" pitchFamily="49" charset="0"/>
+                <a:cs typeface="Courier New" panose="02070309020205020404" pitchFamily="49" charset="0"/>
+              </a:rPr>
+              <a:t>// </a:t>
+            </a:r>
+            <a:r>
+              <a:rPr lang="en-US" altLang="ko-KR" dirty="0" err="1">
+                <a:latin typeface="Courier New" panose="02070309020205020404" pitchFamily="49" charset="0"/>
+                <a:cs typeface="Courier New" panose="02070309020205020404" pitchFamily="49" charset="0"/>
+              </a:rPr>
+              <a:t>fuzz_driver.c</a:t>
+            </a:r>
+            <a:endParaRPr lang="en-US" altLang="ko-KR" dirty="0">
+              <a:latin typeface="Courier New" panose="02070309020205020404" pitchFamily="49" charset="0"/>
+              <a:cs typeface="Courier New" panose="02070309020205020404" pitchFamily="49" charset="0"/>
+            </a:endParaRPr>
+          </a:p>
+          <a:p>
+            <a:r>
+              <a:rPr lang="en-US" altLang="ko-KR" dirty="0">
+                <a:latin typeface="Courier New" panose="02070309020205020404" pitchFamily="49" charset="0"/>
+                <a:cs typeface="Courier New" panose="02070309020205020404" pitchFamily="49" charset="0"/>
+              </a:rPr>
+              <a:t>int main(...) {</a:t>
+            </a:r>
+          </a:p>
+          <a:p>
+            <a:r>
+              <a:rPr lang="en-US" altLang="ko-KR" b="1" dirty="0">
+                <a:latin typeface="Courier New" panose="02070309020205020404" pitchFamily="49" charset="0"/>
+                <a:cs typeface="Courier New" panose="02070309020205020404" pitchFamily="49" charset="0"/>
+              </a:rPr>
+              <a:t>  __</a:t>
+            </a:r>
+            <a:r>
+              <a:rPr lang="en-US" altLang="ko-KR" b="1" dirty="0" err="1">
+                <a:latin typeface="Courier New" panose="02070309020205020404" pitchFamily="49" charset="0"/>
+                <a:cs typeface="Courier New" panose="02070309020205020404" pitchFamily="49" charset="0"/>
+              </a:rPr>
+              <a:t>AFL_COVERAGE_OFF</a:t>
+            </a:r>
+            <a:r>
+              <a:rPr lang="en-US" altLang="ko-KR" b="1" dirty="0">
+                <a:latin typeface="Courier New" panose="02070309020205020404" pitchFamily="49" charset="0"/>
+                <a:cs typeface="Courier New" panose="02070309020205020404" pitchFamily="49" charset="0"/>
+              </a:rPr>
+              <a:t>();</a:t>
+            </a:r>
+          </a:p>
+          <a:p>
+            <a:endParaRPr lang="en-US" altLang="ko-KR" dirty="0"/>
+          </a:p>
+          <a:p>
+            <a:r>
+              <a:rPr lang="en-US" altLang="ko-KR" dirty="0"/>
+              <a:t>     // Fuzzing driver setup code here</a:t>
+            </a:r>
+          </a:p>
+          <a:p>
+            <a:r>
+              <a:rPr lang="en-US" altLang="ko-KR" dirty="0"/>
+              <a:t>     ...</a:t>
+            </a:r>
+          </a:p>
+          <a:p>
+            <a:endParaRPr lang="en-US" altLang="ko-KR" dirty="0"/>
+          </a:p>
+          <a:p>
+            <a:r>
+              <a:rPr lang="en-US" altLang="ko-KR" b="1" dirty="0">
+                <a:latin typeface="Courier New" panose="02070309020205020404" pitchFamily="49" charset="0"/>
+                <a:cs typeface="Courier New" panose="02070309020205020404" pitchFamily="49" charset="0"/>
+              </a:rPr>
+              <a:t>  __</a:t>
+            </a:r>
+            <a:r>
+              <a:rPr lang="en-US" altLang="ko-KR" b="1" dirty="0" err="1">
+                <a:latin typeface="Courier New" panose="02070309020205020404" pitchFamily="49" charset="0"/>
+                <a:cs typeface="Courier New" panose="02070309020205020404" pitchFamily="49" charset="0"/>
+              </a:rPr>
+              <a:t>AFL_COVERAGE_ON</a:t>
+            </a:r>
+            <a:r>
+              <a:rPr lang="en-US" altLang="ko-KR" b="1" dirty="0">
+                <a:latin typeface="Courier New" panose="02070309020205020404" pitchFamily="49" charset="0"/>
+                <a:cs typeface="Courier New" panose="02070309020205020404" pitchFamily="49" charset="0"/>
+              </a:rPr>
+              <a:t>();</a:t>
+            </a:r>
+          </a:p>
+          <a:p>
+            <a:r>
+              <a:rPr lang="en-US" altLang="ko-KR" dirty="0">
+                <a:latin typeface="Courier New" panose="02070309020205020404" pitchFamily="49" charset="0"/>
+                <a:cs typeface="Courier New" panose="02070309020205020404" pitchFamily="49" charset="0"/>
+              </a:rPr>
+              <a:t>  </a:t>
+            </a:r>
+            <a:r>
+              <a:rPr lang="en-US" altLang="ko-KR" dirty="0" err="1">
+                <a:latin typeface="Courier New" panose="02070309020205020404" pitchFamily="49" charset="0"/>
+                <a:cs typeface="Courier New" panose="02070309020205020404" pitchFamily="49" charset="0"/>
+              </a:rPr>
+              <a:t>target_func2fuzz</a:t>
+            </a:r>
+            <a:r>
+              <a:rPr lang="en-US" altLang="ko-KR" dirty="0">
+                <a:latin typeface="Courier New" panose="02070309020205020404" pitchFamily="49" charset="0"/>
+                <a:cs typeface="Courier New" panose="02070309020205020404" pitchFamily="49" charset="0"/>
+              </a:rPr>
+              <a:t>();  </a:t>
+            </a:r>
+          </a:p>
+          <a:p>
+            <a:endParaRPr lang="en-US" altLang="ko-KR" dirty="0"/>
+          </a:p>
+          <a:p>
+            <a:r>
+              <a:rPr lang="en-US" altLang="ko-KR" dirty="0"/>
+              <a:t>}</a:t>
+            </a:r>
+            <a:endParaRPr lang="ko-KR" altLang="en-US" dirty="0"/>
+          </a:p>
+        </p:txBody>
+      </p:sp>
+    </p:spTree>
+    <p:extLst>
+      <p:ext uri="{BB962C8B-B14F-4D97-AF65-F5344CB8AC3E}">
+        <p14:creationId xmlns:p14="http://schemas.microsoft.com/office/powerpoint/2010/main" val="1897258169"/>
+      </p:ext>
+    </p:extLst>
+  </p:cSld>
+  <p:clrMapOvr>
+    <a:masterClrMapping/>
+  </p:clrMapOvr>
+</p:sld>
+</file>
+
+<file path=ppt/slides/slide9.xml><?xml version="1.0" encoding="utf-8"?>
 <p:sld xmlns:a="http://schemas.openxmlformats.org/drawingml/2006/main" xmlns:r="http://schemas.openxmlformats.org/officeDocument/2006/relationships" xmlns:p="http://schemas.openxmlformats.org/presentationml/2006/main">
   <p:cSld>
     <p:spTree>
@@ -13949,7 +15097,7 @@
           <a:p>
             <a:fld id="{1CF9D074-DB03-7840-94B4-4B45D2605E24}" type="slidenum">
               <a:rPr lang="en-KR" smtClean="0"/>
-              <a:t>8</a:t>
+              <a:t>9</a:t>
             </a:fld>
             <a:endParaRPr lang="en-KR"/>
           </a:p>
@@ -13959,399 +15107,6 @@
     <p:extLst>
       <p:ext uri="{BB962C8B-B14F-4D97-AF65-F5344CB8AC3E}">
         <p14:creationId xmlns:p14="http://schemas.microsoft.com/office/powerpoint/2010/main" val="1114742325"/>
-      </p:ext>
-    </p:extLst>
-  </p:cSld>
-  <p:clrMapOvr>
-    <a:masterClrMapping/>
-  </p:clrMapOvr>
-</p:sld>
-</file>
-
-<file path=ppt/slides/slide9.xml><?xml version="1.0" encoding="utf-8"?>
-<p:sld xmlns:a="http://schemas.openxmlformats.org/drawingml/2006/main" xmlns:r="http://schemas.openxmlformats.org/officeDocument/2006/relationships" xmlns:p="http://schemas.openxmlformats.org/presentationml/2006/main">
-  <p:cSld>
-    <p:spTree>
-      <p:nvGrpSpPr>
-        <p:cNvPr id="1" name=""/>
-        <p:cNvGrpSpPr/>
-        <p:nvPr/>
-      </p:nvGrpSpPr>
-      <p:grpSpPr>
-        <a:xfrm>
-          <a:off x="0" y="0"/>
-          <a:ext cx="0" cy="0"/>
-          <a:chOff x="0" y="0"/>
-          <a:chExt cx="0" cy="0"/>
-        </a:xfrm>
-      </p:grpSpPr>
-      <p:sp>
-        <p:nvSpPr>
-          <p:cNvPr id="2" name="Title 1">
-            <a:extLst>
-              <a:ext uri="{FF2B5EF4-FFF2-40B4-BE49-F238E27FC236}">
-                <a16:creationId xmlns:a16="http://schemas.microsoft.com/office/drawing/2014/main" id="{B8D84275-F50C-143F-5D7A-2C56115B920C}"/>
-              </a:ext>
-            </a:extLst>
-          </p:cNvPr>
-          <p:cNvSpPr>
-            <a:spLocks noGrp="1"/>
-          </p:cNvSpPr>
-          <p:nvPr>
-            <p:ph type="title"/>
-          </p:nvPr>
-        </p:nvSpPr>
-        <p:spPr/>
-        <p:txBody>
-          <a:bodyPr/>
-          <a:lstStyle/>
-          <a:p>
-            <a:r>
-              <a:rPr lang="en-KR" dirty="0">
-                <a:latin typeface="Calibri" panose="020F0502020204030204" pitchFamily="34" charset="0"/>
-                <a:cs typeface="Calibri" panose="020F0502020204030204" pitchFamily="34" charset="0"/>
-              </a:rPr>
-              <a:t>AFL++ </a:t>
-            </a:r>
-            <a:r>
-              <a:rPr lang="en-KR">
-                <a:latin typeface="Calibri" panose="020F0502020204030204" pitchFamily="34" charset="0"/>
-                <a:cs typeface="Calibri" panose="020F0502020204030204" pitchFamily="34" charset="0"/>
-              </a:rPr>
-              <a:t>Status Screen</a:t>
-            </a:r>
-            <a:r>
-              <a:rPr lang="en-US">
-                <a:latin typeface="Calibri" panose="020F0502020204030204" pitchFamily="34" charset="0"/>
-                <a:cs typeface="Calibri" panose="020F0502020204030204" pitchFamily="34" charset="0"/>
-              </a:rPr>
-              <a:t> </a:t>
-            </a:r>
-            <a:r>
-              <a:rPr lang="en-US" altLang="ko-KR">
-                <a:latin typeface="Calibri" panose="020F0502020204030204" pitchFamily="34" charset="0"/>
-                <a:cs typeface="Calibri" panose="020F0502020204030204" pitchFamily="34" charset="0"/>
-              </a:rPr>
-              <a:t>(2/5)</a:t>
-            </a:r>
-            <a:endParaRPr lang="en-KR" dirty="0">
-              <a:latin typeface="Calibri" panose="020F0502020204030204" pitchFamily="34" charset="0"/>
-              <a:cs typeface="Calibri" panose="020F0502020204030204" pitchFamily="34" charset="0"/>
-            </a:endParaRPr>
-          </a:p>
-        </p:txBody>
-      </p:sp>
-      <p:pic>
-        <p:nvPicPr>
-          <p:cNvPr id="4" name="Picture 3">
-            <a:extLst>
-              <a:ext uri="{FF2B5EF4-FFF2-40B4-BE49-F238E27FC236}">
-                <a16:creationId xmlns:a16="http://schemas.microsoft.com/office/drawing/2014/main" id="{951595A6-F983-3D15-AAC3-9FF2E1895FD7}"/>
-              </a:ext>
-            </a:extLst>
-          </p:cNvPr>
-          <p:cNvPicPr>
-            <a:picLocks noChangeAspect="1"/>
-          </p:cNvPicPr>
-          <p:nvPr/>
-        </p:nvPicPr>
-        <p:blipFill>
-          <a:blip r:embed="rId2"/>
-          <a:stretch>
-            <a:fillRect/>
-          </a:stretch>
-        </p:blipFill>
-        <p:spPr>
-          <a:xfrm>
-            <a:off x="898567" y="2045341"/>
-            <a:ext cx="4225636" cy="3207503"/>
-          </a:xfrm>
-          <a:prstGeom prst="rect">
-            <a:avLst/>
-          </a:prstGeom>
-        </p:spPr>
-      </p:pic>
-      <p:sp>
-        <p:nvSpPr>
-          <p:cNvPr id="5" name="TextBox 4">
-            <a:extLst>
-              <a:ext uri="{FF2B5EF4-FFF2-40B4-BE49-F238E27FC236}">
-                <a16:creationId xmlns:a16="http://schemas.microsoft.com/office/drawing/2014/main" id="{BBFDB3EB-BF5B-F736-2676-FB16A7E2BC9C}"/>
-              </a:ext>
-            </a:extLst>
-          </p:cNvPr>
-          <p:cNvSpPr txBox="1"/>
-          <p:nvPr/>
-        </p:nvSpPr>
-        <p:spPr>
-          <a:xfrm>
-            <a:off x="5440880" y="2213926"/>
-            <a:ext cx="6097978" cy="1846659"/>
-          </a:xfrm>
-          <a:prstGeom prst="rect">
-            <a:avLst/>
-          </a:prstGeom>
-          <a:noFill/>
-        </p:spPr>
-        <p:txBody>
-          <a:bodyPr wrap="square">
-            <a:spAutoFit/>
-          </a:bodyPr>
-          <a:lstStyle/>
-          <a:p>
-            <a:r>
-              <a:rPr lang="en-KR" sz="2400" b="1" dirty="0"/>
-              <a:t>2) Overall results</a:t>
-            </a:r>
-          </a:p>
-          <a:p>
-            <a:pPr marL="285750" indent="-285750">
-              <a:buFont typeface="Arial" panose="020B0604020202020204" pitchFamily="34" charset="0"/>
-              <a:buChar char="•"/>
-            </a:pPr>
-            <a:r>
-              <a:rPr lang="en-KR" b="1" dirty="0"/>
-              <a:t>cycles done</a:t>
-            </a:r>
-            <a:r>
-              <a:rPr lang="en-KR" dirty="0"/>
-              <a:t>: </a:t>
-            </a:r>
-            <a:r>
-              <a:rPr lang="en-US" dirty="0"/>
-              <a:t>the count of an entire pass through the queue so far.</a:t>
-            </a:r>
-          </a:p>
-          <a:p>
-            <a:pPr marL="285750" indent="-285750">
-              <a:buFont typeface="Arial" panose="020B0604020202020204" pitchFamily="34" charset="0"/>
-              <a:buChar char="•"/>
-            </a:pPr>
-            <a:r>
-              <a:rPr lang="en-KR" b="1" dirty="0"/>
-              <a:t>corpus count</a:t>
-            </a:r>
-            <a:r>
-              <a:rPr lang="en-KR" dirty="0"/>
-              <a:t>: # of </a:t>
-            </a:r>
-            <a:r>
-              <a:rPr lang="en-US" dirty="0"/>
-              <a:t>unique </a:t>
-            </a:r>
-            <a:r>
-              <a:rPr lang="en-KR" dirty="0"/>
-              <a:t>test cases discovered so far</a:t>
-            </a:r>
-          </a:p>
-          <a:p>
-            <a:pPr marL="285750" indent="-285750">
-              <a:buFont typeface="Arial" panose="020B0604020202020204" pitchFamily="34" charset="0"/>
-              <a:buChar char="•"/>
-            </a:pPr>
-            <a:r>
-              <a:rPr lang="en-KR" b="1" dirty="0"/>
-              <a:t>saved crashes</a:t>
-            </a:r>
-            <a:r>
-              <a:rPr lang="en-KR" dirty="0"/>
-              <a:t>:</a:t>
-            </a:r>
-            <a:r>
-              <a:rPr lang="en-KR" b="1" dirty="0"/>
-              <a:t> </a:t>
-            </a:r>
-            <a:r>
-              <a:rPr lang="en-KR" dirty="0"/>
-              <a:t># of unique crashes discovered so far</a:t>
-            </a:r>
-            <a:endParaRPr lang="en-KR" b="1" dirty="0"/>
-          </a:p>
-          <a:p>
-            <a:pPr marL="285750" indent="-285750">
-              <a:buFont typeface="Arial" panose="020B0604020202020204" pitchFamily="34" charset="0"/>
-              <a:buChar char="•"/>
-            </a:pPr>
-            <a:r>
-              <a:rPr lang="en-KR" b="1" dirty="0"/>
-              <a:t>saved hangs</a:t>
-            </a:r>
-            <a:r>
-              <a:rPr lang="en-KR" dirty="0"/>
-              <a:t>: # of hangs discovered so far</a:t>
-            </a:r>
-          </a:p>
-        </p:txBody>
-      </p:sp>
-      <p:sp>
-        <p:nvSpPr>
-          <p:cNvPr id="6" name="Rectangle 5">
-            <a:extLst>
-              <a:ext uri="{FF2B5EF4-FFF2-40B4-BE49-F238E27FC236}">
-                <a16:creationId xmlns:a16="http://schemas.microsoft.com/office/drawing/2014/main" id="{A79842C8-9C05-F783-7CF5-0B8B9D4EB732}"/>
-              </a:ext>
-            </a:extLst>
-          </p:cNvPr>
-          <p:cNvSpPr/>
-          <p:nvPr/>
-        </p:nvSpPr>
-        <p:spPr>
-          <a:xfrm>
-            <a:off x="3778333" y="2256312"/>
-            <a:ext cx="1262742" cy="694706"/>
-          </a:xfrm>
-          <a:prstGeom prst="rect">
-            <a:avLst/>
-          </a:prstGeom>
-          <a:noFill/>
-          <a:ln w="38100">
-            <a:solidFill>
-              <a:srgbClr val="FF0000"/>
-            </a:solidFill>
-          </a:ln>
-        </p:spPr>
-        <p:style>
-          <a:lnRef idx="2">
-            <a:schemeClr val="accent1">
-              <a:shade val="50000"/>
-            </a:schemeClr>
-          </a:lnRef>
-          <a:fillRef idx="1">
-            <a:schemeClr val="accent1"/>
-          </a:fillRef>
-          <a:effectRef idx="0">
-            <a:schemeClr val="accent1"/>
-          </a:effectRef>
-          <a:fontRef idx="minor">
-            <a:schemeClr val="lt1"/>
-          </a:fontRef>
-        </p:style>
-        <p:txBody>
-          <a:bodyPr rtlCol="0" anchor="ctr"/>
-          <a:lstStyle/>
-          <a:p>
-            <a:pPr algn="ctr"/>
-            <a:endParaRPr lang="en-KR"/>
-          </a:p>
-        </p:txBody>
-      </p:sp>
-      <p:sp>
-        <p:nvSpPr>
-          <p:cNvPr id="7" name="TextBox 6">
-            <a:extLst>
-              <a:ext uri="{FF2B5EF4-FFF2-40B4-BE49-F238E27FC236}">
-                <a16:creationId xmlns:a16="http://schemas.microsoft.com/office/drawing/2014/main" id="{A402A2AA-A115-B362-064C-46CE8C6D3546}"/>
-              </a:ext>
-            </a:extLst>
-          </p:cNvPr>
-          <p:cNvSpPr txBox="1"/>
-          <p:nvPr/>
-        </p:nvSpPr>
-        <p:spPr>
-          <a:xfrm>
-            <a:off x="5484421" y="4122749"/>
-            <a:ext cx="6097978" cy="923330"/>
-          </a:xfrm>
-          <a:prstGeom prst="rect">
-            <a:avLst/>
-          </a:prstGeom>
-          <a:noFill/>
-        </p:spPr>
-        <p:txBody>
-          <a:bodyPr wrap="square">
-            <a:spAutoFit/>
-          </a:bodyPr>
-          <a:lstStyle/>
-          <a:p>
-            <a:r>
-              <a:rPr lang="en-US" b="0" i="0" dirty="0">
-                <a:solidFill>
-                  <a:srgbClr val="ADBAC7"/>
-                </a:solidFill>
-                <a:effectLst/>
-                <a:latin typeface="-apple-system"/>
-              </a:rPr>
-              <a:t>Crashes and hangs are considered "unique" if the associated execution paths (represented in the branch map) involve any state transitions not seen in previously-recorded faults.</a:t>
-            </a:r>
-            <a:endParaRPr lang="en-KR" dirty="0"/>
-          </a:p>
-        </p:txBody>
-      </p:sp>
-      <p:pic>
-        <p:nvPicPr>
-          <p:cNvPr id="11" name="Graphic 10">
-            <a:extLst>
-              <a:ext uri="{FF2B5EF4-FFF2-40B4-BE49-F238E27FC236}">
-                <a16:creationId xmlns:a16="http://schemas.microsoft.com/office/drawing/2014/main" id="{BD135074-8DB4-A297-ACAE-76379094F39C}"/>
-              </a:ext>
-            </a:extLst>
-          </p:cNvPr>
-          <p:cNvPicPr>
-            <a:picLocks noChangeAspect="1"/>
-          </p:cNvPicPr>
-          <p:nvPr/>
-        </p:nvPicPr>
-        <p:blipFill>
-          <a:blip r:embed="rId3" cstate="print">
-            <a:extLst>
-              <a:ext uri="{28A0092B-C50C-407E-A947-70E740481C1C}">
-                <a14:useLocalDpi xmlns:a14="http://schemas.microsoft.com/office/drawing/2010/main" val="0"/>
-              </a:ext>
-              <a:ext uri="{96DAC541-7B7A-43D3-8B79-37D633B846F1}">
-                <asvg:svgBlip xmlns:asvg="http://schemas.microsoft.com/office/drawing/2016/SVG/main" r:embed="rId4"/>
-              </a:ext>
-              <a:ext uri="{837473B0-CC2E-450A-ABE3-18F120FF3D39}">
-                <a1611:picAttrSrcUrl xmlns:a1611="http://schemas.microsoft.com/office/drawing/2016/11/main" r:id="rId5"/>
-              </a:ext>
-            </a:extLst>
-          </a:blip>
-          <a:stretch>
-            <a:fillRect/>
-          </a:stretch>
-        </p:blipFill>
-        <p:spPr>
-          <a:xfrm>
-            <a:off x="10658691" y="365125"/>
-            <a:ext cx="1086643" cy="1087673"/>
-          </a:xfrm>
-          <a:prstGeom prst="rect">
-            <a:avLst/>
-          </a:prstGeom>
-        </p:spPr>
-      </p:pic>
-      <p:sp>
-        <p:nvSpPr>
-          <p:cNvPr id="3" name="슬라이드 번호 개체 틀 2">
-            <a:extLst>
-              <a:ext uri="{FF2B5EF4-FFF2-40B4-BE49-F238E27FC236}">
-                <a16:creationId xmlns:a16="http://schemas.microsoft.com/office/drawing/2014/main" id="{4FC704D8-738C-A204-63D1-8A20E769D9D5}"/>
-              </a:ext>
-            </a:extLst>
-          </p:cNvPr>
-          <p:cNvSpPr>
-            <a:spLocks noGrp="1"/>
-          </p:cNvSpPr>
-          <p:nvPr>
-            <p:ph type="sldNum" sz="quarter" idx="12"/>
-          </p:nvPr>
-        </p:nvSpPr>
-        <p:spPr/>
-        <p:txBody>
-          <a:bodyPr/>
-          <a:lstStyle/>
-          <a:p>
-            <a:fld id="{1CF9D074-DB03-7840-94B4-4B45D2605E24}" type="slidenum">
-              <a:rPr lang="en-KR" smtClean="0"/>
-              <a:t>9</a:t>
-            </a:fld>
-            <a:endParaRPr lang="en-KR"/>
-          </a:p>
-        </p:txBody>
-      </p:sp>
-    </p:spTree>
-    <p:extLst>
-      <p:ext uri="{BB962C8B-B14F-4D97-AF65-F5344CB8AC3E}">
-        <p14:creationId xmlns:p14="http://schemas.microsoft.com/office/powerpoint/2010/main" val="147002223"/>
       </p:ext>
     </p:extLst>
   </p:cSld>
